--- a/Apresentação1.pptx
+++ b/Apresentação1.pptx
@@ -7,8 +7,10 @@
   <p:sldIdLst>
     <p:sldId id="257" r:id="rId2"/>
     <p:sldId id="256" r:id="rId3"/>
-    <p:sldId id="258" r:id="rId4"/>
-    <p:sldId id="259" r:id="rId5"/>
+    <p:sldId id="261" r:id="rId4"/>
+    <p:sldId id="262" r:id="rId5"/>
+    <p:sldId id="263" r:id="rId6"/>
+    <p:sldId id="259" r:id="rId7"/>
   </p:sldIdLst>
   <p:sldSz cx="12192000" cy="6858000"/>
   <p:notesSz cx="6858000" cy="9144000"/>
@@ -881,7 +883,7 @@
       </dgm:t>
     </dgm:pt>
     <dgm:pt modelId="{4C945891-58AC-46FB-95BD-937D30B007BC}">
-      <dgm:prSet phldrT="[Texto]" phldr="1"/>
+      <dgm:prSet phldrT="[Texto]"/>
       <dgm:spPr>
         <a:solidFill>
           <a:srgbClr val="F09456"/>
@@ -894,7 +896,10 @@
         <a:bodyPr/>
         <a:lstStyle/>
         <a:p>
-          <a:endParaRPr lang="pt-BR" dirty="0"/>
+          <a:r>
+            <a:rPr lang="pt-BR" dirty="0"/>
+            <a:t>CEO</a:t>
+          </a:r>
         </a:p>
       </dgm:t>
     </dgm:pt>
@@ -921,7 +926,7 @@
       </dgm:t>
     </dgm:pt>
     <dgm:pt modelId="{9FEA5D97-112F-47C2-86F6-0197162B1A70}" type="asst">
-      <dgm:prSet phldrT="[Texto]" phldr="1"/>
+      <dgm:prSet phldrT="[Texto]"/>
       <dgm:spPr>
         <a:solidFill>
           <a:srgbClr val="202F38"/>
@@ -934,7 +939,10 @@
         <a:bodyPr/>
         <a:lstStyle/>
         <a:p>
-          <a:endParaRPr lang="pt-BR"/>
+          <a:r>
+            <a:rPr lang="pt-BR" dirty="0"/>
+            <a:t>Software Engineer</a:t>
+          </a:r>
         </a:p>
       </dgm:t>
     </dgm:pt>
@@ -961,7 +969,7 @@
       </dgm:t>
     </dgm:pt>
     <dgm:pt modelId="{13EED5CD-3602-4C3F-A500-92CC5075EAC7}">
-      <dgm:prSet phldrT="[Texto]" phldr="1"/>
+      <dgm:prSet phldrT="[Texto]"/>
       <dgm:spPr>
         <a:solidFill>
           <a:srgbClr val="202F38"/>
@@ -974,7 +982,10 @@
         <a:bodyPr/>
         <a:lstStyle/>
         <a:p>
-          <a:endParaRPr lang="pt-BR"/>
+          <a:r>
+            <a:rPr lang="pt-BR" dirty="0"/>
+            <a:t>Desenvolvedor </a:t>
+          </a:r>
         </a:p>
       </dgm:t>
     </dgm:pt>
@@ -1001,7 +1012,7 @@
       </dgm:t>
     </dgm:pt>
     <dgm:pt modelId="{0EE95DCF-894E-47DA-8F1B-E09B73E14DE7}">
-      <dgm:prSet phldrT="[Texto]" phldr="1"/>
+      <dgm:prSet phldrT="[Texto]"/>
       <dgm:spPr>
         <a:solidFill>
           <a:srgbClr val="202F38"/>
@@ -1014,7 +1025,10 @@
         <a:bodyPr/>
         <a:lstStyle/>
         <a:p>
-          <a:endParaRPr lang="pt-BR"/>
+          <a:r>
+            <a:rPr lang="pt-BR" dirty="0"/>
+            <a:t>PO</a:t>
+          </a:r>
         </a:p>
       </dgm:t>
     </dgm:pt>
@@ -1041,7 +1055,7 @@
       </dgm:t>
     </dgm:pt>
     <dgm:pt modelId="{85851BF2-D230-46E3-BDEB-EB7002107B08}">
-      <dgm:prSet phldrT="[Texto]" phldr="1"/>
+      <dgm:prSet phldrT="[Texto]"/>
       <dgm:spPr>
         <a:solidFill>
           <a:srgbClr val="202F38"/>
@@ -1054,7 +1068,10 @@
         <a:bodyPr/>
         <a:lstStyle/>
         <a:p>
-          <a:endParaRPr lang="pt-BR"/>
+          <a:r>
+            <a:rPr lang="pt-BR" dirty="0"/>
+            <a:t>Marketing e Vendas</a:t>
+          </a:r>
         </a:p>
       </dgm:t>
     </dgm:pt>
@@ -1621,12 +1638,12 @@
         </a:fontRef>
       </dsp:style>
       <dsp:txBody>
-        <a:bodyPr spcFirstLastPara="0" vert="horz" wrap="square" lIns="40640" tIns="40640" rIns="40640" bIns="40640" numCol="1" spcCol="1270" anchor="ctr" anchorCtr="0">
+        <a:bodyPr spcFirstLastPara="0" vert="horz" wrap="square" lIns="19050" tIns="19050" rIns="19050" bIns="19050" numCol="1" spcCol="1270" anchor="ctr" anchorCtr="0">
           <a:noAutofit/>
         </a:bodyPr>
         <a:lstStyle/>
         <a:p>
-          <a:pPr marL="0" lvl="0" indent="0" algn="ctr" defTabSz="2844800">
+          <a:pPr marL="0" lvl="0" indent="0" algn="ctr" defTabSz="1333500">
             <a:lnSpc>
               <a:spcPct val="90000"/>
             </a:lnSpc>
@@ -1638,7 +1655,10 @@
             </a:spcAft>
             <a:buNone/>
           </a:pPr>
-          <a:endParaRPr lang="pt-BR" sz="6400" kern="1200" dirty="0"/>
+          <a:r>
+            <a:rPr lang="pt-BR" sz="3000" kern="1200" dirty="0"/>
+            <a:t>CEO</a:t>
+          </a:r>
         </a:p>
       </dsp:txBody>
       <dsp:txXfrm>
@@ -1684,12 +1704,12 @@
         </a:fontRef>
       </dsp:style>
       <dsp:txBody>
-        <a:bodyPr spcFirstLastPara="0" vert="horz" wrap="square" lIns="40640" tIns="40640" rIns="40640" bIns="40640" numCol="1" spcCol="1270" anchor="ctr" anchorCtr="0">
+        <a:bodyPr spcFirstLastPara="0" vert="horz" wrap="square" lIns="19050" tIns="19050" rIns="19050" bIns="19050" numCol="1" spcCol="1270" anchor="ctr" anchorCtr="0">
           <a:noAutofit/>
         </a:bodyPr>
         <a:lstStyle/>
         <a:p>
-          <a:pPr marL="0" lvl="0" indent="0" algn="ctr" defTabSz="2844800">
+          <a:pPr marL="0" lvl="0" indent="0" algn="ctr" defTabSz="1333500">
             <a:lnSpc>
               <a:spcPct val="90000"/>
             </a:lnSpc>
@@ -1701,7 +1721,10 @@
             </a:spcAft>
             <a:buNone/>
           </a:pPr>
-          <a:endParaRPr lang="pt-BR" sz="6400" kern="1200"/>
+          <a:r>
+            <a:rPr lang="pt-BR" sz="3000" kern="1200" dirty="0"/>
+            <a:t>Desenvolvedor </a:t>
+          </a:r>
         </a:p>
       </dsp:txBody>
       <dsp:txXfrm>
@@ -1747,12 +1770,12 @@
         </a:fontRef>
       </dsp:style>
       <dsp:txBody>
-        <a:bodyPr spcFirstLastPara="0" vert="horz" wrap="square" lIns="40640" tIns="40640" rIns="40640" bIns="40640" numCol="1" spcCol="1270" anchor="ctr" anchorCtr="0">
+        <a:bodyPr spcFirstLastPara="0" vert="horz" wrap="square" lIns="19050" tIns="19050" rIns="19050" bIns="19050" numCol="1" spcCol="1270" anchor="ctr" anchorCtr="0">
           <a:noAutofit/>
         </a:bodyPr>
         <a:lstStyle/>
         <a:p>
-          <a:pPr marL="0" lvl="0" indent="0" algn="ctr" defTabSz="2844800">
+          <a:pPr marL="0" lvl="0" indent="0" algn="ctr" defTabSz="1333500">
             <a:lnSpc>
               <a:spcPct val="90000"/>
             </a:lnSpc>
@@ -1764,7 +1787,10 @@
             </a:spcAft>
             <a:buNone/>
           </a:pPr>
-          <a:endParaRPr lang="pt-BR" sz="6400" kern="1200"/>
+          <a:r>
+            <a:rPr lang="pt-BR" sz="3000" kern="1200" dirty="0"/>
+            <a:t>PO</a:t>
+          </a:r>
         </a:p>
       </dsp:txBody>
       <dsp:txXfrm>
@@ -1810,12 +1836,12 @@
         </a:fontRef>
       </dsp:style>
       <dsp:txBody>
-        <a:bodyPr spcFirstLastPara="0" vert="horz" wrap="square" lIns="40640" tIns="40640" rIns="40640" bIns="40640" numCol="1" spcCol="1270" anchor="ctr" anchorCtr="0">
+        <a:bodyPr spcFirstLastPara="0" vert="horz" wrap="square" lIns="19050" tIns="19050" rIns="19050" bIns="19050" numCol="1" spcCol="1270" anchor="ctr" anchorCtr="0">
           <a:noAutofit/>
         </a:bodyPr>
         <a:lstStyle/>
         <a:p>
-          <a:pPr marL="0" lvl="0" indent="0" algn="ctr" defTabSz="2844800">
+          <a:pPr marL="0" lvl="0" indent="0" algn="ctr" defTabSz="1333500">
             <a:lnSpc>
               <a:spcPct val="90000"/>
             </a:lnSpc>
@@ -1827,7 +1853,10 @@
             </a:spcAft>
             <a:buNone/>
           </a:pPr>
-          <a:endParaRPr lang="pt-BR" sz="6400" kern="1200"/>
+          <a:r>
+            <a:rPr lang="pt-BR" sz="3000" kern="1200" dirty="0"/>
+            <a:t>Marketing e Vendas</a:t>
+          </a:r>
         </a:p>
       </dsp:txBody>
       <dsp:txXfrm>
@@ -1873,12 +1902,12 @@
         </a:fontRef>
       </dsp:style>
       <dsp:txBody>
-        <a:bodyPr spcFirstLastPara="0" vert="horz" wrap="square" lIns="40640" tIns="40640" rIns="40640" bIns="40640" numCol="1" spcCol="1270" anchor="ctr" anchorCtr="0">
+        <a:bodyPr spcFirstLastPara="0" vert="horz" wrap="square" lIns="19050" tIns="19050" rIns="19050" bIns="19050" numCol="1" spcCol="1270" anchor="ctr" anchorCtr="0">
           <a:noAutofit/>
         </a:bodyPr>
         <a:lstStyle/>
         <a:p>
-          <a:pPr marL="0" lvl="0" indent="0" algn="ctr" defTabSz="2844800">
+          <a:pPr marL="0" lvl="0" indent="0" algn="ctr" defTabSz="1333500">
             <a:lnSpc>
               <a:spcPct val="90000"/>
             </a:lnSpc>
@@ -1890,7 +1919,10 @@
             </a:spcAft>
             <a:buNone/>
           </a:pPr>
-          <a:endParaRPr lang="pt-BR" sz="6400" kern="1200"/>
+          <a:r>
+            <a:rPr lang="pt-BR" sz="3000" kern="1200" dirty="0"/>
+            <a:t>Software Engineer</a:t>
+          </a:r>
         </a:p>
       </dsp:txBody>
       <dsp:txXfrm>
@@ -4229,7 +4261,7 @@
           <a:p>
             <a:fld id="{D1D9B18C-3FBB-4687-8F6F-214A4FB9DD47}" type="datetimeFigureOut">
               <a:rPr lang="pt-BR" smtClean="0"/>
-              <a:t>09/09/2019</a:t>
+              <a:t>30/09/2019</a:t>
             </a:fld>
             <a:endParaRPr lang="pt-BR"/>
           </a:p>
@@ -4427,7 +4459,7 @@
           <a:p>
             <a:fld id="{D1D9B18C-3FBB-4687-8F6F-214A4FB9DD47}" type="datetimeFigureOut">
               <a:rPr lang="pt-BR" smtClean="0"/>
-              <a:t>09/09/2019</a:t>
+              <a:t>30/09/2019</a:t>
             </a:fld>
             <a:endParaRPr lang="pt-BR"/>
           </a:p>
@@ -4635,7 +4667,7 @@
           <a:p>
             <a:fld id="{D1D9B18C-3FBB-4687-8F6F-214A4FB9DD47}" type="datetimeFigureOut">
               <a:rPr lang="pt-BR" smtClean="0"/>
-              <a:t>09/09/2019</a:t>
+              <a:t>30/09/2019</a:t>
             </a:fld>
             <a:endParaRPr lang="pt-BR"/>
           </a:p>
@@ -4833,7 +4865,7 @@
           <a:p>
             <a:fld id="{D1D9B18C-3FBB-4687-8F6F-214A4FB9DD47}" type="datetimeFigureOut">
               <a:rPr lang="pt-BR" smtClean="0"/>
-              <a:t>09/09/2019</a:t>
+              <a:t>30/09/2019</a:t>
             </a:fld>
             <a:endParaRPr lang="pt-BR"/>
           </a:p>
@@ -5108,7 +5140,7 @@
           <a:p>
             <a:fld id="{D1D9B18C-3FBB-4687-8F6F-214A4FB9DD47}" type="datetimeFigureOut">
               <a:rPr lang="pt-BR" smtClean="0"/>
-              <a:t>09/09/2019</a:t>
+              <a:t>30/09/2019</a:t>
             </a:fld>
             <a:endParaRPr lang="pt-BR"/>
           </a:p>
@@ -5373,7 +5405,7 @@
           <a:p>
             <a:fld id="{D1D9B18C-3FBB-4687-8F6F-214A4FB9DD47}" type="datetimeFigureOut">
               <a:rPr lang="pt-BR" smtClean="0"/>
-              <a:t>09/09/2019</a:t>
+              <a:t>30/09/2019</a:t>
             </a:fld>
             <a:endParaRPr lang="pt-BR"/>
           </a:p>
@@ -5785,7 +5817,7 @@
           <a:p>
             <a:fld id="{D1D9B18C-3FBB-4687-8F6F-214A4FB9DD47}" type="datetimeFigureOut">
               <a:rPr lang="pt-BR" smtClean="0"/>
-              <a:t>09/09/2019</a:t>
+              <a:t>30/09/2019</a:t>
             </a:fld>
             <a:endParaRPr lang="pt-BR"/>
           </a:p>
@@ -5926,7 +5958,7 @@
           <a:p>
             <a:fld id="{D1D9B18C-3FBB-4687-8F6F-214A4FB9DD47}" type="datetimeFigureOut">
               <a:rPr lang="pt-BR" smtClean="0"/>
-              <a:t>09/09/2019</a:t>
+              <a:t>30/09/2019</a:t>
             </a:fld>
             <a:endParaRPr lang="pt-BR"/>
           </a:p>
@@ -6039,7 +6071,7 @@
           <a:p>
             <a:fld id="{D1D9B18C-3FBB-4687-8F6F-214A4FB9DD47}" type="datetimeFigureOut">
               <a:rPr lang="pt-BR" smtClean="0"/>
-              <a:t>09/09/2019</a:t>
+              <a:t>30/09/2019</a:t>
             </a:fld>
             <a:endParaRPr lang="pt-BR"/>
           </a:p>
@@ -6350,7 +6382,7 @@
           <a:p>
             <a:fld id="{D1D9B18C-3FBB-4687-8F6F-214A4FB9DD47}" type="datetimeFigureOut">
               <a:rPr lang="pt-BR" smtClean="0"/>
-              <a:t>09/09/2019</a:t>
+              <a:t>30/09/2019</a:t>
             </a:fld>
             <a:endParaRPr lang="pt-BR"/>
           </a:p>
@@ -6638,7 +6670,7 @@
           <a:p>
             <a:fld id="{D1D9B18C-3FBB-4687-8F6F-214A4FB9DD47}" type="datetimeFigureOut">
               <a:rPr lang="pt-BR" smtClean="0"/>
-              <a:t>09/09/2019</a:t>
+              <a:t>30/09/2019</a:t>
             </a:fld>
             <a:endParaRPr lang="pt-BR"/>
           </a:p>
@@ -6879,7 +6911,7 @@
           <a:p>
             <a:fld id="{D1D9B18C-3FBB-4687-8F6F-214A4FB9DD47}" type="datetimeFigureOut">
               <a:rPr lang="pt-BR" smtClean="0"/>
-              <a:t>09/09/2019</a:t>
+              <a:t>30/09/2019</a:t>
             </a:fld>
             <a:endParaRPr lang="pt-BR"/>
           </a:p>
@@ -8128,10 +8160,10 @@
       </p:sp>
       <p:sp>
         <p:nvSpPr>
-          <p:cNvPr id="28" name="CaixaDeTexto 27">
+          <p:cNvPr id="7" name="CaixaDeTexto 6">
             <a:extLst>
               <a:ext uri="{FF2B5EF4-FFF2-40B4-BE49-F238E27FC236}">
-                <a16:creationId xmlns:a16="http://schemas.microsoft.com/office/drawing/2014/main" id="{45E8DFC3-7F3E-4277-BEC0-64727F7CAF0E}"/>
+                <a16:creationId xmlns:a16="http://schemas.microsoft.com/office/drawing/2014/main" id="{3CD3E596-DBD9-4408-A6BA-9859AE06552E}"/>
               </a:ext>
             </a:extLst>
           </p:cNvPr>
@@ -8140,8 +8172,8 @@
         </p:nvSpPr>
         <p:spPr>
           <a:xfrm>
-            <a:off x="10951216" y="6407570"/>
-            <a:ext cx="1056700" cy="276999"/>
+            <a:off x="790110" y="2479659"/>
+            <a:ext cx="8029845" cy="646331"/>
           </a:xfrm>
           <a:prstGeom prst="rect">
             <a:avLst/>
@@ -8149,21 +8181,683 @@
           <a:noFill/>
         </p:spPr>
         <p:txBody>
-          <a:bodyPr wrap="none" rtlCol="0">
+          <a:bodyPr wrap="square" rtlCol="0">
             <a:spAutoFit/>
           </a:bodyPr>
           <a:lstStyle/>
           <a:p>
-            <a:pPr algn="ctr"/>
+            <a:r>
+              <a:rPr lang="pt-BR" dirty="0">
+                <a:solidFill>
+                  <a:schemeClr val="bg1"/>
+                </a:solidFill>
+              </a:rPr>
+              <a:t>DESENVOLVIMENTO TECNOLOGIA</a:t>
+            </a:r>
+          </a:p>
+          <a:p>
+            <a:r>
+              <a:rPr lang="pt-BR" dirty="0">
+                <a:solidFill>
+                  <a:schemeClr val="bg1"/>
+                </a:solidFill>
+              </a:rPr>
+              <a:t>Sistemas, Pesquisas, Projetos e novos processos de Design e Inovação</a:t>
+            </a:r>
+          </a:p>
+        </p:txBody>
+      </p:sp>
+      <p:sp>
+        <p:nvSpPr>
+          <p:cNvPr id="21" name="CaixaDeTexto 20">
+            <a:extLst>
+              <a:ext uri="{FF2B5EF4-FFF2-40B4-BE49-F238E27FC236}">
+                <a16:creationId xmlns:a16="http://schemas.microsoft.com/office/drawing/2014/main" id="{81EAD08A-F735-4978-B0BA-FD3042B64B9E}"/>
+              </a:ext>
+            </a:extLst>
+          </p:cNvPr>
+          <p:cNvSpPr txBox="1"/>
+          <p:nvPr/>
+        </p:nvSpPr>
+        <p:spPr>
+          <a:xfrm>
+            <a:off x="790109" y="904417"/>
+            <a:ext cx="8045276" cy="646331"/>
+          </a:xfrm>
+          <a:prstGeom prst="rect">
+            <a:avLst/>
+          </a:prstGeom>
+          <a:noFill/>
+        </p:spPr>
+        <p:txBody>
+          <a:bodyPr wrap="square" rtlCol="0">
+            <a:spAutoFit/>
+          </a:bodyPr>
+          <a:lstStyle/>
+          <a:p>
+            <a:r>
+              <a:rPr lang="pt-BR" dirty="0">
+                <a:solidFill>
+                  <a:schemeClr val="bg1"/>
+                </a:solidFill>
+              </a:rPr>
+              <a:t>INFRA-ESTRUTURA</a:t>
+            </a:r>
+          </a:p>
+          <a:p>
+            <a:r>
+              <a:rPr lang="pt-BR" dirty="0">
+                <a:solidFill>
+                  <a:schemeClr val="bg1"/>
+                </a:solidFill>
+              </a:rPr>
+              <a:t>Planejamento, Financiamento e Relações Institucionais </a:t>
+            </a:r>
+          </a:p>
+        </p:txBody>
+      </p:sp>
+      <p:sp>
+        <p:nvSpPr>
+          <p:cNvPr id="22" name="CaixaDeTexto 21">
+            <a:extLst>
+              <a:ext uri="{FF2B5EF4-FFF2-40B4-BE49-F238E27FC236}">
+                <a16:creationId xmlns:a16="http://schemas.microsoft.com/office/drawing/2014/main" id="{E28851CB-5A07-43E6-8D6A-65BBF834806C}"/>
+              </a:ext>
+            </a:extLst>
+          </p:cNvPr>
+          <p:cNvSpPr txBox="1"/>
+          <p:nvPr/>
+        </p:nvSpPr>
+        <p:spPr>
+          <a:xfrm>
+            <a:off x="790109" y="1679748"/>
+            <a:ext cx="7943344" cy="646331"/>
+          </a:xfrm>
+          <a:prstGeom prst="rect">
+            <a:avLst/>
+          </a:prstGeom>
+          <a:noFill/>
+        </p:spPr>
+        <p:txBody>
+          <a:bodyPr wrap="square" rtlCol="0">
+            <a:spAutoFit/>
+          </a:bodyPr>
+          <a:lstStyle/>
+          <a:p>
+            <a:r>
+              <a:rPr lang="pt-BR" dirty="0">
+                <a:solidFill>
+                  <a:schemeClr val="bg1"/>
+                </a:solidFill>
+              </a:rPr>
+              <a:t>GERÊNCIA DE PESSOAS</a:t>
+            </a:r>
+          </a:p>
+          <a:p>
+            <a:r>
+              <a:rPr lang="pt-BR" dirty="0">
+                <a:solidFill>
+                  <a:schemeClr val="bg1"/>
+                </a:solidFill>
+              </a:rPr>
+              <a:t>Treinamento e atualização – Aspectos administrativos, vendas e tecnológicos</a:t>
+            </a:r>
+          </a:p>
+        </p:txBody>
+      </p:sp>
+      <p:sp>
+        <p:nvSpPr>
+          <p:cNvPr id="23" name="CaixaDeTexto 22">
+            <a:extLst>
+              <a:ext uri="{FF2B5EF4-FFF2-40B4-BE49-F238E27FC236}">
+                <a16:creationId xmlns:a16="http://schemas.microsoft.com/office/drawing/2014/main" id="{7BB7AF10-E15B-449D-8AC8-39C38E0CB99E}"/>
+              </a:ext>
+            </a:extLst>
+          </p:cNvPr>
+          <p:cNvSpPr txBox="1"/>
+          <p:nvPr/>
+        </p:nvSpPr>
+        <p:spPr>
+          <a:xfrm>
+            <a:off x="774720" y="3220176"/>
+            <a:ext cx="8069636" cy="646331"/>
+          </a:xfrm>
+          <a:prstGeom prst="rect">
+            <a:avLst/>
+          </a:prstGeom>
+          <a:noFill/>
+        </p:spPr>
+        <p:txBody>
+          <a:bodyPr wrap="square" rtlCol="0">
+            <a:spAutoFit/>
+          </a:bodyPr>
+          <a:lstStyle/>
+          <a:p>
+            <a:r>
+              <a:rPr lang="pt-BR" dirty="0">
+                <a:solidFill>
+                  <a:schemeClr val="bg1"/>
+                </a:solidFill>
+              </a:rPr>
+              <a:t>AQUISIÇÃO</a:t>
+            </a:r>
+          </a:p>
+          <a:p>
+            <a:r>
+              <a:rPr lang="pt-BR" dirty="0">
+                <a:solidFill>
+                  <a:schemeClr val="bg1"/>
+                </a:solidFill>
+              </a:rPr>
+              <a:t>Máquinas e componentes para o desenvolvimento e gestão do app.</a:t>
+            </a:r>
+          </a:p>
+        </p:txBody>
+      </p:sp>
+      <p:sp>
+        <p:nvSpPr>
+          <p:cNvPr id="27" name="CaixaDeTexto 26">
+            <a:extLst>
+              <a:ext uri="{FF2B5EF4-FFF2-40B4-BE49-F238E27FC236}">
+                <a16:creationId xmlns:a16="http://schemas.microsoft.com/office/drawing/2014/main" id="{26FF5381-FC58-4F28-B2C8-990CFB04D508}"/>
+              </a:ext>
+            </a:extLst>
+          </p:cNvPr>
+          <p:cNvSpPr txBox="1"/>
+          <p:nvPr/>
+        </p:nvSpPr>
+        <p:spPr>
+          <a:xfrm>
+            <a:off x="899622" y="3994013"/>
+            <a:ext cx="1454451" cy="276999"/>
+          </a:xfrm>
+          <a:prstGeom prst="rect">
+            <a:avLst/>
+          </a:prstGeom>
+          <a:noFill/>
+        </p:spPr>
+        <p:txBody>
+          <a:bodyPr wrap="square" rtlCol="0">
+            <a:spAutoFit/>
+          </a:bodyPr>
+          <a:lstStyle/>
+          <a:p>
             <a:r>
               <a:rPr lang="pt-BR" sz="1200" dirty="0">
                 <a:solidFill>
-                  <a:srgbClr val="202F38"/>
+                  <a:schemeClr val="bg1"/>
                 </a:solidFill>
-                <a:latin typeface="Century Gothic" panose="020B0502020202020204" pitchFamily="34" charset="0"/>
               </a:rPr>
-              <a:t>[IMAGE 2.1]</a:t>
+              <a:t>LOGÍSTICA INTERNA</a:t>
             </a:r>
+          </a:p>
+        </p:txBody>
+      </p:sp>
+      <p:sp>
+        <p:nvSpPr>
+          <p:cNvPr id="30" name="CaixaDeTexto 29">
+            <a:extLst>
+              <a:ext uri="{FF2B5EF4-FFF2-40B4-BE49-F238E27FC236}">
+                <a16:creationId xmlns:a16="http://schemas.microsoft.com/office/drawing/2014/main" id="{E75F023D-C1F9-4926-93E6-7AFB300E7802}"/>
+              </a:ext>
+            </a:extLst>
+          </p:cNvPr>
+          <p:cNvSpPr txBox="1"/>
+          <p:nvPr/>
+        </p:nvSpPr>
+        <p:spPr>
+          <a:xfrm>
+            <a:off x="2542635" y="3994013"/>
+            <a:ext cx="1454451" cy="276999"/>
+          </a:xfrm>
+          <a:prstGeom prst="rect">
+            <a:avLst/>
+          </a:prstGeom>
+          <a:noFill/>
+        </p:spPr>
+        <p:txBody>
+          <a:bodyPr wrap="square" rtlCol="0">
+            <a:spAutoFit/>
+          </a:bodyPr>
+          <a:lstStyle/>
+          <a:p>
+            <a:r>
+              <a:rPr lang="pt-BR" sz="1200" dirty="0">
+                <a:solidFill>
+                  <a:schemeClr val="bg1"/>
+                </a:solidFill>
+              </a:rPr>
+              <a:t>OPERAÇÕES</a:t>
+            </a:r>
+          </a:p>
+        </p:txBody>
+      </p:sp>
+      <p:sp>
+        <p:nvSpPr>
+          <p:cNvPr id="31" name="CaixaDeTexto 30">
+            <a:extLst>
+              <a:ext uri="{FF2B5EF4-FFF2-40B4-BE49-F238E27FC236}">
+                <a16:creationId xmlns:a16="http://schemas.microsoft.com/office/drawing/2014/main" id="{217CE271-3086-440B-B11B-24F203DA18F2}"/>
+              </a:ext>
+            </a:extLst>
+          </p:cNvPr>
+          <p:cNvSpPr txBox="1"/>
+          <p:nvPr/>
+        </p:nvSpPr>
+        <p:spPr>
+          <a:xfrm>
+            <a:off x="4145619" y="3983733"/>
+            <a:ext cx="1454451" cy="276999"/>
+          </a:xfrm>
+          <a:prstGeom prst="rect">
+            <a:avLst/>
+          </a:prstGeom>
+          <a:noFill/>
+        </p:spPr>
+        <p:txBody>
+          <a:bodyPr wrap="square" rtlCol="0">
+            <a:spAutoFit/>
+          </a:bodyPr>
+          <a:lstStyle/>
+          <a:p>
+            <a:r>
+              <a:rPr lang="pt-BR" sz="1200" dirty="0">
+                <a:solidFill>
+                  <a:schemeClr val="bg1"/>
+                </a:solidFill>
+              </a:rPr>
+              <a:t>LOGÍSTICA EXTERNA</a:t>
+            </a:r>
+          </a:p>
+        </p:txBody>
+      </p:sp>
+      <p:sp>
+        <p:nvSpPr>
+          <p:cNvPr id="32" name="CaixaDeTexto 31">
+            <a:extLst>
+              <a:ext uri="{FF2B5EF4-FFF2-40B4-BE49-F238E27FC236}">
+                <a16:creationId xmlns:a16="http://schemas.microsoft.com/office/drawing/2014/main" id="{8BD24290-69E0-43A6-AF34-7CAA347F2AD2}"/>
+              </a:ext>
+            </a:extLst>
+          </p:cNvPr>
+          <p:cNvSpPr txBox="1"/>
+          <p:nvPr/>
+        </p:nvSpPr>
+        <p:spPr>
+          <a:xfrm>
+            <a:off x="5747508" y="3994013"/>
+            <a:ext cx="1454451" cy="461665"/>
+          </a:xfrm>
+          <a:prstGeom prst="rect">
+            <a:avLst/>
+          </a:prstGeom>
+          <a:noFill/>
+        </p:spPr>
+        <p:txBody>
+          <a:bodyPr wrap="square" rtlCol="0">
+            <a:spAutoFit/>
+          </a:bodyPr>
+          <a:lstStyle/>
+          <a:p>
+            <a:r>
+              <a:rPr lang="pt-BR" sz="1200" dirty="0">
+                <a:solidFill>
+                  <a:schemeClr val="bg1"/>
+                </a:solidFill>
+              </a:rPr>
+              <a:t>MARKETING E VENDAS</a:t>
+            </a:r>
+          </a:p>
+        </p:txBody>
+      </p:sp>
+      <p:sp>
+        <p:nvSpPr>
+          <p:cNvPr id="33" name="CaixaDeTexto 32">
+            <a:extLst>
+              <a:ext uri="{FF2B5EF4-FFF2-40B4-BE49-F238E27FC236}">
+                <a16:creationId xmlns:a16="http://schemas.microsoft.com/office/drawing/2014/main" id="{18524BE0-C4F3-46F9-B6C8-FE7B7E82CAF8}"/>
+              </a:ext>
+            </a:extLst>
+          </p:cNvPr>
+          <p:cNvSpPr txBox="1"/>
+          <p:nvPr/>
+        </p:nvSpPr>
+        <p:spPr>
+          <a:xfrm>
+            <a:off x="7380935" y="3994013"/>
+            <a:ext cx="1454451" cy="276999"/>
+          </a:xfrm>
+          <a:prstGeom prst="rect">
+            <a:avLst/>
+          </a:prstGeom>
+          <a:noFill/>
+        </p:spPr>
+        <p:txBody>
+          <a:bodyPr wrap="square" rtlCol="0">
+            <a:spAutoFit/>
+          </a:bodyPr>
+          <a:lstStyle/>
+          <a:p>
+            <a:r>
+              <a:rPr lang="pt-BR" sz="1200" dirty="0">
+                <a:solidFill>
+                  <a:schemeClr val="bg1"/>
+                </a:solidFill>
+              </a:rPr>
+              <a:t>SERVIÇO</a:t>
+            </a:r>
+          </a:p>
+        </p:txBody>
+      </p:sp>
+      <p:sp>
+        <p:nvSpPr>
+          <p:cNvPr id="34" name="CaixaDeTexto 33">
+            <a:extLst>
+              <a:ext uri="{FF2B5EF4-FFF2-40B4-BE49-F238E27FC236}">
+                <a16:creationId xmlns:a16="http://schemas.microsoft.com/office/drawing/2014/main" id="{DB8824C5-2D10-4E05-B865-BD6FDF85EFDC}"/>
+              </a:ext>
+            </a:extLst>
+          </p:cNvPr>
+          <p:cNvSpPr txBox="1"/>
+          <p:nvPr/>
+        </p:nvSpPr>
+        <p:spPr>
+          <a:xfrm>
+            <a:off x="886302" y="4297342"/>
+            <a:ext cx="1454451" cy="1323439"/>
+          </a:xfrm>
+          <a:prstGeom prst="rect">
+            <a:avLst/>
+          </a:prstGeom>
+          <a:noFill/>
+        </p:spPr>
+        <p:txBody>
+          <a:bodyPr wrap="square" rtlCol="0">
+            <a:spAutoFit/>
+          </a:bodyPr>
+          <a:lstStyle/>
+          <a:p>
+            <a:pPr marL="228600" indent="-228600">
+              <a:buFont typeface="+mj-lt"/>
+              <a:buAutoNum type="arabicPeriod"/>
+            </a:pPr>
+            <a:r>
+              <a:rPr lang="pt-BR" sz="1000" dirty="0">
+                <a:solidFill>
+                  <a:schemeClr val="bg1"/>
+                </a:solidFill>
+              </a:rPr>
+              <a:t>Solicitação de NF;</a:t>
+            </a:r>
+          </a:p>
+          <a:p>
+            <a:pPr marL="228600" indent="-228600">
+              <a:buFont typeface="+mj-lt"/>
+              <a:buAutoNum type="arabicPeriod"/>
+            </a:pPr>
+            <a:r>
+              <a:rPr lang="pt-BR" sz="1000" dirty="0">
+                <a:solidFill>
+                  <a:schemeClr val="bg1"/>
+                </a:solidFill>
+              </a:rPr>
+              <a:t>Recebimento de NF dos mercados;</a:t>
+            </a:r>
+          </a:p>
+          <a:p>
+            <a:pPr marL="228600" indent="-228600">
+              <a:buFont typeface="+mj-lt"/>
+              <a:buAutoNum type="arabicPeriod"/>
+            </a:pPr>
+            <a:r>
+              <a:rPr lang="pt-BR" sz="1000" dirty="0">
+                <a:solidFill>
+                  <a:schemeClr val="bg1"/>
+                </a:solidFill>
+              </a:rPr>
+              <a:t>Inserção dos dados No Banco de Dados;</a:t>
+            </a:r>
+          </a:p>
+          <a:p>
+            <a:pPr marL="228600" indent="-228600">
+              <a:buFont typeface="+mj-lt"/>
+              <a:buAutoNum type="arabicPeriod"/>
+            </a:pPr>
+            <a:r>
+              <a:rPr lang="pt-BR" sz="1000" dirty="0">
+                <a:solidFill>
+                  <a:schemeClr val="bg1"/>
+                </a:solidFill>
+              </a:rPr>
+              <a:t>Gerenciamento do Banco de Dados;</a:t>
+            </a:r>
+          </a:p>
+          <a:p>
+            <a:pPr marL="228600" indent="-228600">
+              <a:buFont typeface="+mj-lt"/>
+              <a:buAutoNum type="arabicPeriod"/>
+            </a:pPr>
+            <a:endParaRPr lang="pt-BR" sz="1000" dirty="0">
+              <a:solidFill>
+                <a:schemeClr val="bg1"/>
+              </a:solidFill>
+            </a:endParaRPr>
+          </a:p>
+        </p:txBody>
+      </p:sp>
+      <p:sp>
+        <p:nvSpPr>
+          <p:cNvPr id="35" name="CaixaDeTexto 34">
+            <a:extLst>
+              <a:ext uri="{FF2B5EF4-FFF2-40B4-BE49-F238E27FC236}">
+                <a16:creationId xmlns:a16="http://schemas.microsoft.com/office/drawing/2014/main" id="{F37F8B12-F10E-4B38-83A3-12F6E4295EFF}"/>
+              </a:ext>
+            </a:extLst>
+          </p:cNvPr>
+          <p:cNvSpPr txBox="1"/>
+          <p:nvPr/>
+        </p:nvSpPr>
+        <p:spPr>
+          <a:xfrm>
+            <a:off x="2509432" y="4357001"/>
+            <a:ext cx="1454451" cy="1169551"/>
+          </a:xfrm>
+          <a:prstGeom prst="rect">
+            <a:avLst/>
+          </a:prstGeom>
+          <a:noFill/>
+        </p:spPr>
+        <p:txBody>
+          <a:bodyPr wrap="square" rtlCol="0">
+            <a:spAutoFit/>
+          </a:bodyPr>
+          <a:lstStyle/>
+          <a:p>
+            <a:pPr marL="228600" indent="-228600">
+              <a:buFont typeface="+mj-lt"/>
+              <a:buAutoNum type="arabicPeriod"/>
+            </a:pPr>
+            <a:r>
+              <a:rPr lang="pt-BR" sz="1000" dirty="0">
+                <a:solidFill>
+                  <a:schemeClr val="bg1"/>
+                </a:solidFill>
+              </a:rPr>
+              <a:t>Transformar informações da NF recebida em  catálogo de banco de dados para o app.</a:t>
+            </a:r>
+          </a:p>
+          <a:p>
+            <a:pPr marL="228600" indent="-228600">
+              <a:buFont typeface="+mj-lt"/>
+              <a:buAutoNum type="arabicPeriod"/>
+            </a:pPr>
+            <a:endParaRPr lang="pt-BR" sz="1000" dirty="0">
+              <a:solidFill>
+                <a:schemeClr val="bg1"/>
+              </a:solidFill>
+            </a:endParaRPr>
+          </a:p>
+        </p:txBody>
+      </p:sp>
+      <p:sp>
+        <p:nvSpPr>
+          <p:cNvPr id="37" name="CaixaDeTexto 36">
+            <a:extLst>
+              <a:ext uri="{FF2B5EF4-FFF2-40B4-BE49-F238E27FC236}">
+                <a16:creationId xmlns:a16="http://schemas.microsoft.com/office/drawing/2014/main" id="{721DB5FB-6E79-4DBD-821E-D73A1B2F27CE}"/>
+              </a:ext>
+            </a:extLst>
+          </p:cNvPr>
+          <p:cNvSpPr txBox="1"/>
+          <p:nvPr/>
+        </p:nvSpPr>
+        <p:spPr>
+          <a:xfrm>
+            <a:off x="4125946" y="4363878"/>
+            <a:ext cx="1454451" cy="861774"/>
+          </a:xfrm>
+          <a:prstGeom prst="rect">
+            <a:avLst/>
+          </a:prstGeom>
+          <a:noFill/>
+        </p:spPr>
+        <p:txBody>
+          <a:bodyPr wrap="square" rtlCol="0">
+            <a:spAutoFit/>
+          </a:bodyPr>
+          <a:lstStyle/>
+          <a:p>
+            <a:pPr marL="228600" indent="-228600">
+              <a:buFont typeface="+mj-lt"/>
+              <a:buAutoNum type="arabicPeriod"/>
+            </a:pPr>
+            <a:r>
+              <a:rPr lang="pt-BR" sz="1000" dirty="0">
+                <a:solidFill>
+                  <a:schemeClr val="bg1"/>
+                </a:solidFill>
+              </a:rPr>
+              <a:t>Disponibilizar NF recebida no catálogo de banco de dados.</a:t>
+            </a:r>
+          </a:p>
+          <a:p>
+            <a:pPr marL="228600" indent="-228600">
+              <a:buFont typeface="+mj-lt"/>
+              <a:buAutoNum type="arabicPeriod"/>
+            </a:pPr>
+            <a:endParaRPr lang="pt-BR" sz="1000" dirty="0">
+              <a:solidFill>
+                <a:schemeClr val="bg1"/>
+              </a:solidFill>
+            </a:endParaRPr>
+          </a:p>
+        </p:txBody>
+      </p:sp>
+      <p:sp>
+        <p:nvSpPr>
+          <p:cNvPr id="38" name="CaixaDeTexto 37">
+            <a:extLst>
+              <a:ext uri="{FF2B5EF4-FFF2-40B4-BE49-F238E27FC236}">
+                <a16:creationId xmlns:a16="http://schemas.microsoft.com/office/drawing/2014/main" id="{6B25074F-E723-49D8-A591-24D60F8C515A}"/>
+              </a:ext>
+            </a:extLst>
+          </p:cNvPr>
+          <p:cNvSpPr txBox="1"/>
+          <p:nvPr/>
+        </p:nvSpPr>
+        <p:spPr>
+          <a:xfrm>
+            <a:off x="5732080" y="4410402"/>
+            <a:ext cx="1454451" cy="1169551"/>
+          </a:xfrm>
+          <a:prstGeom prst="rect">
+            <a:avLst/>
+          </a:prstGeom>
+          <a:noFill/>
+        </p:spPr>
+        <p:txBody>
+          <a:bodyPr wrap="square" rtlCol="0">
+            <a:spAutoFit/>
+          </a:bodyPr>
+          <a:lstStyle/>
+          <a:p>
+            <a:pPr marL="228600" indent="-228600">
+              <a:buFont typeface="+mj-lt"/>
+              <a:buAutoNum type="arabicPeriod"/>
+            </a:pPr>
+            <a:r>
+              <a:rPr lang="pt-BR" sz="1000" dirty="0">
+                <a:solidFill>
+                  <a:schemeClr val="bg1"/>
+                </a:solidFill>
+              </a:rPr>
+              <a:t>Oferecer aos clientes e potenciais clientes valor e motivação para adquirir o serviço. </a:t>
+            </a:r>
+          </a:p>
+          <a:p>
+            <a:pPr marL="228600" indent="-228600">
+              <a:buFont typeface="+mj-lt"/>
+              <a:buAutoNum type="arabicPeriod"/>
+            </a:pPr>
+            <a:endParaRPr lang="pt-BR" sz="1000" dirty="0">
+              <a:solidFill>
+                <a:schemeClr val="bg1"/>
+              </a:solidFill>
+            </a:endParaRPr>
+          </a:p>
+        </p:txBody>
+      </p:sp>
+      <p:sp>
+        <p:nvSpPr>
+          <p:cNvPr id="39" name="CaixaDeTexto 38">
+            <a:extLst>
+              <a:ext uri="{FF2B5EF4-FFF2-40B4-BE49-F238E27FC236}">
+                <a16:creationId xmlns:a16="http://schemas.microsoft.com/office/drawing/2014/main" id="{A5BE3D07-6442-451C-9C28-8711C715A28C}"/>
+              </a:ext>
+            </a:extLst>
+          </p:cNvPr>
+          <p:cNvSpPr txBox="1"/>
+          <p:nvPr/>
+        </p:nvSpPr>
+        <p:spPr>
+          <a:xfrm>
+            <a:off x="7385608" y="4385991"/>
+            <a:ext cx="1454451" cy="861774"/>
+          </a:xfrm>
+          <a:prstGeom prst="rect">
+            <a:avLst/>
+          </a:prstGeom>
+          <a:noFill/>
+        </p:spPr>
+        <p:txBody>
+          <a:bodyPr wrap="square" rtlCol="0">
+            <a:spAutoFit/>
+          </a:bodyPr>
+          <a:lstStyle/>
+          <a:p>
+            <a:pPr marL="228600" indent="-228600">
+              <a:buFont typeface="+mj-lt"/>
+              <a:buAutoNum type="arabicPeriod"/>
+            </a:pPr>
+            <a:r>
+              <a:rPr lang="pt-BR" sz="1000" dirty="0">
+                <a:solidFill>
+                  <a:schemeClr val="bg1"/>
+                </a:solidFill>
+              </a:rPr>
+              <a:t>Suporte ao cliente na resolução de problema com o app;</a:t>
+            </a:r>
+          </a:p>
+          <a:p>
+            <a:pPr marL="228600" indent="-228600">
+              <a:buFont typeface="+mj-lt"/>
+              <a:buAutoNum type="arabicPeriod"/>
+            </a:pPr>
+            <a:endParaRPr lang="pt-BR" sz="1000" dirty="0">
+              <a:solidFill>
+                <a:schemeClr val="bg1"/>
+              </a:solidFill>
+            </a:endParaRPr>
           </a:p>
         </p:txBody>
       </p:sp>
@@ -8210,7 +8904,7 @@
           <p:nvPr>
             <p:extLst>
               <p:ext uri="{D42A27DB-BD31-4B8C-83A1-F6EECF244321}">
-                <p14:modId xmlns:p14="http://schemas.microsoft.com/office/powerpoint/2010/main" val="5923138"/>
+                <p14:modId xmlns:p14="http://schemas.microsoft.com/office/powerpoint/2010/main" val="1335950279"/>
               </p:ext>
             </p:extLst>
           </p:nvPr>
@@ -8284,47 +8978,6 @@
           </a:p>
         </p:txBody>
       </p:sp>
-      <p:sp>
-        <p:nvSpPr>
-          <p:cNvPr id="6" name="CaixaDeTexto 5">
-            <a:extLst>
-              <a:ext uri="{FF2B5EF4-FFF2-40B4-BE49-F238E27FC236}">
-                <a16:creationId xmlns:a16="http://schemas.microsoft.com/office/drawing/2014/main" id="{A4FAE605-0500-4993-A8C3-6A805415EBE9}"/>
-              </a:ext>
-            </a:extLst>
-          </p:cNvPr>
-          <p:cNvSpPr txBox="1"/>
-          <p:nvPr/>
-        </p:nvSpPr>
-        <p:spPr>
-          <a:xfrm>
-            <a:off x="10951216" y="6407570"/>
-            <a:ext cx="1056700" cy="276999"/>
-          </a:xfrm>
-          <a:prstGeom prst="rect">
-            <a:avLst/>
-          </a:prstGeom>
-          <a:noFill/>
-        </p:spPr>
-        <p:txBody>
-          <a:bodyPr wrap="none" rtlCol="0">
-            <a:spAutoFit/>
-          </a:bodyPr>
-          <a:lstStyle/>
-          <a:p>
-            <a:pPr algn="ctr"/>
-            <a:r>
-              <a:rPr lang="pt-BR" sz="1200" dirty="0">
-                <a:solidFill>
-                  <a:srgbClr val="202F38"/>
-                </a:solidFill>
-                <a:latin typeface="Century Gothic" panose="020B0502020202020204" pitchFamily="34" charset="0"/>
-              </a:rPr>
-              <a:t>[IMAGE 2.2]</a:t>
-            </a:r>
-          </a:p>
-        </p:txBody>
-      </p:sp>
     </p:spTree>
     <p:extLst>
       <p:ext uri="{BB962C8B-B14F-4D97-AF65-F5344CB8AC3E}">
@@ -8355,913 +9008,6 @@
           <a:chExt cx="0" cy="0"/>
         </a:xfrm>
       </p:grpSpPr>
-      <p:grpSp>
-        <p:nvGrpSpPr>
-          <p:cNvPr id="40" name="Agrupar 39">
-            <a:extLst>
-              <a:ext uri="{FF2B5EF4-FFF2-40B4-BE49-F238E27FC236}">
-                <a16:creationId xmlns:a16="http://schemas.microsoft.com/office/drawing/2014/main" id="{F59398B8-FF3C-439E-A91C-0A8C3A59D5E6}"/>
-              </a:ext>
-            </a:extLst>
-          </p:cNvPr>
-          <p:cNvGrpSpPr/>
-          <p:nvPr/>
-        </p:nvGrpSpPr>
-        <p:grpSpPr>
-          <a:xfrm>
-            <a:off x="316634" y="1136341"/>
-            <a:ext cx="11469955" cy="4549807"/>
-            <a:chOff x="316634" y="1136341"/>
-            <a:chExt cx="11469955" cy="4549807"/>
-          </a:xfrm>
-        </p:grpSpPr>
-        <p:cxnSp>
-          <p:nvCxnSpPr>
-            <p:cNvPr id="28" name="Conector reto 27">
-              <a:extLst>
-                <a:ext uri="{FF2B5EF4-FFF2-40B4-BE49-F238E27FC236}">
-                  <a16:creationId xmlns:a16="http://schemas.microsoft.com/office/drawing/2014/main" id="{27102A5A-170B-467A-9C84-D4C138F62F9B}"/>
-                </a:ext>
-              </a:extLst>
-            </p:cNvPr>
-            <p:cNvCxnSpPr>
-              <a:cxnSpLocks/>
-            </p:cNvCxnSpPr>
-            <p:nvPr/>
-          </p:nvCxnSpPr>
-          <p:spPr>
-            <a:xfrm flipV="1">
-              <a:off x="8581749" y="3160390"/>
-              <a:ext cx="2574525" cy="8818"/>
-            </a:xfrm>
-            <a:prstGeom prst="line">
-              <a:avLst/>
-            </a:prstGeom>
-            <a:ln w="9525" cap="flat" cmpd="sng" algn="ctr">
-              <a:solidFill>
-                <a:schemeClr val="accent2"/>
-              </a:solidFill>
-              <a:prstDash val="dash"/>
-              <a:round/>
-              <a:headEnd type="none" w="med" len="med"/>
-              <a:tailEnd type="none" w="med" len="med"/>
-            </a:ln>
-          </p:spPr>
-          <p:style>
-            <a:lnRef idx="0">
-              <a:scrgbClr r="0" g="0" b="0"/>
-            </a:lnRef>
-            <a:fillRef idx="0">
-              <a:scrgbClr r="0" g="0" b="0"/>
-            </a:fillRef>
-            <a:effectRef idx="0">
-              <a:scrgbClr r="0" g="0" b="0"/>
-            </a:effectRef>
-            <a:fontRef idx="minor">
-              <a:schemeClr val="tx1"/>
-            </a:fontRef>
-          </p:style>
-        </p:cxnSp>
-        <p:cxnSp>
-          <p:nvCxnSpPr>
-            <p:cNvPr id="19" name="Conector reto 18">
-              <a:extLst>
-                <a:ext uri="{FF2B5EF4-FFF2-40B4-BE49-F238E27FC236}">
-                  <a16:creationId xmlns:a16="http://schemas.microsoft.com/office/drawing/2014/main" id="{E0F0BCB9-43D4-4FC8-8C52-5CF0848B51CF}"/>
-                </a:ext>
-              </a:extLst>
-            </p:cNvPr>
-            <p:cNvCxnSpPr>
-              <a:cxnSpLocks/>
-            </p:cNvCxnSpPr>
-            <p:nvPr/>
-          </p:nvCxnSpPr>
-          <p:spPr>
-            <a:xfrm flipV="1">
-              <a:off x="920320" y="3151572"/>
-              <a:ext cx="2574525" cy="8818"/>
-            </a:xfrm>
-            <a:prstGeom prst="line">
-              <a:avLst/>
-            </a:prstGeom>
-            <a:ln w="9525" cap="flat" cmpd="sng" algn="ctr">
-              <a:solidFill>
-                <a:schemeClr val="accent2"/>
-              </a:solidFill>
-              <a:prstDash val="dash"/>
-              <a:round/>
-              <a:headEnd type="none" w="med" len="med"/>
-              <a:tailEnd type="none" w="med" len="med"/>
-            </a:ln>
-          </p:spPr>
-          <p:style>
-            <a:lnRef idx="0">
-              <a:scrgbClr r="0" g="0" b="0"/>
-            </a:lnRef>
-            <a:fillRef idx="0">
-              <a:scrgbClr r="0" g="0" b="0"/>
-            </a:fillRef>
-            <a:effectRef idx="0">
-              <a:scrgbClr r="0" g="0" b="0"/>
-            </a:effectRef>
-            <a:fontRef idx="minor">
-              <a:schemeClr val="tx1"/>
-            </a:fontRef>
-          </p:style>
-        </p:cxnSp>
-        <p:cxnSp>
-          <p:nvCxnSpPr>
-            <p:cNvPr id="6" name="Conector reto 5">
-              <a:extLst>
-                <a:ext uri="{FF2B5EF4-FFF2-40B4-BE49-F238E27FC236}">
-                  <a16:creationId xmlns:a16="http://schemas.microsoft.com/office/drawing/2014/main" id="{DE84529C-618C-41FE-A07B-12D845DC9242}"/>
-                </a:ext>
-              </a:extLst>
-            </p:cNvPr>
-            <p:cNvCxnSpPr>
-              <a:cxnSpLocks/>
-              <a:endCxn id="10" idx="4"/>
-            </p:cNvCxnSpPr>
-            <p:nvPr/>
-          </p:nvCxnSpPr>
-          <p:spPr>
-            <a:xfrm>
-              <a:off x="6007223" y="1136341"/>
-              <a:ext cx="0" cy="4549806"/>
-            </a:xfrm>
-            <a:prstGeom prst="line">
-              <a:avLst/>
-            </a:prstGeom>
-            <a:ln w="9525" cap="flat" cmpd="sng" algn="ctr">
-              <a:solidFill>
-                <a:schemeClr val="accent2"/>
-              </a:solidFill>
-              <a:prstDash val="dash"/>
-              <a:round/>
-              <a:headEnd type="none" w="med" len="med"/>
-              <a:tailEnd type="none" w="med" len="med"/>
-            </a:ln>
-          </p:spPr>
-          <p:style>
-            <a:lnRef idx="0">
-              <a:scrgbClr r="0" g="0" b="0"/>
-            </a:lnRef>
-            <a:fillRef idx="0">
-              <a:scrgbClr r="0" g="0" b="0"/>
-            </a:fillRef>
-            <a:effectRef idx="0">
-              <a:scrgbClr r="0" g="0" b="0"/>
-            </a:effectRef>
-            <a:fontRef idx="minor">
-              <a:schemeClr val="tx1"/>
-            </a:fontRef>
-          </p:style>
-        </p:cxnSp>
-        <p:cxnSp>
-          <p:nvCxnSpPr>
-            <p:cNvPr id="4" name="Conector reto 3">
-              <a:extLst>
-                <a:ext uri="{FF2B5EF4-FFF2-40B4-BE49-F238E27FC236}">
-                  <a16:creationId xmlns:a16="http://schemas.microsoft.com/office/drawing/2014/main" id="{F7A066AB-3CF6-4920-8F48-628B8D053A7A}"/>
-                </a:ext>
-              </a:extLst>
-            </p:cNvPr>
-            <p:cNvCxnSpPr/>
-            <p:nvPr/>
-          </p:nvCxnSpPr>
-          <p:spPr>
-            <a:xfrm>
-              <a:off x="2163194" y="1349405"/>
-              <a:ext cx="7705818" cy="0"/>
-            </a:xfrm>
-            <a:prstGeom prst="line">
-              <a:avLst/>
-            </a:prstGeom>
-            <a:ln w="9525" cap="flat" cmpd="sng" algn="ctr">
-              <a:solidFill>
-                <a:schemeClr val="accent2"/>
-              </a:solidFill>
-              <a:prstDash val="dash"/>
-              <a:round/>
-              <a:headEnd type="none" w="med" len="med"/>
-              <a:tailEnd type="none" w="med" len="med"/>
-            </a:ln>
-          </p:spPr>
-          <p:style>
-            <a:lnRef idx="0">
-              <a:scrgbClr r="0" g="0" b="0"/>
-            </a:lnRef>
-            <a:fillRef idx="0">
-              <a:scrgbClr r="0" g="0" b="0"/>
-            </a:fillRef>
-            <a:effectRef idx="0">
-              <a:scrgbClr r="0" g="0" b="0"/>
-            </a:effectRef>
-            <a:fontRef idx="minor">
-              <a:schemeClr val="tx1"/>
-            </a:fontRef>
-          </p:style>
-        </p:cxnSp>
-        <p:sp>
-          <p:nvSpPr>
-            <p:cNvPr id="9" name="Elipse 8">
-              <a:extLst>
-                <a:ext uri="{FF2B5EF4-FFF2-40B4-BE49-F238E27FC236}">
-                  <a16:creationId xmlns:a16="http://schemas.microsoft.com/office/drawing/2014/main" id="{CCA5587D-1118-4E47-B37D-88402F8F8E7B}"/>
-                </a:ext>
-              </a:extLst>
-            </p:cNvPr>
-            <p:cNvSpPr/>
-            <p:nvPr/>
-          </p:nvSpPr>
-          <p:spPr>
-            <a:xfrm>
-              <a:off x="5376908" y="2534529"/>
-              <a:ext cx="1260630" cy="1251722"/>
-            </a:xfrm>
-            <a:prstGeom prst="ellipse">
-              <a:avLst/>
-            </a:prstGeom>
-            <a:solidFill>
-              <a:srgbClr val="202F38"/>
-            </a:solidFill>
-            <a:ln>
-              <a:noFill/>
-            </a:ln>
-          </p:spPr>
-          <p:style>
-            <a:lnRef idx="2">
-              <a:schemeClr val="accent1">
-                <a:shade val="50000"/>
-              </a:schemeClr>
-            </a:lnRef>
-            <a:fillRef idx="1">
-              <a:schemeClr val="accent1"/>
-            </a:fillRef>
-            <a:effectRef idx="0">
-              <a:schemeClr val="accent1"/>
-            </a:effectRef>
-            <a:fontRef idx="minor">
-              <a:schemeClr val="lt1"/>
-            </a:fontRef>
-          </p:style>
-          <p:txBody>
-            <a:bodyPr rtlCol="0" anchor="ctr"/>
-            <a:lstStyle/>
-            <a:p>
-              <a:pPr algn="ctr"/>
-              <a:endParaRPr lang="pt-BR"/>
-            </a:p>
-          </p:txBody>
-        </p:sp>
-        <p:sp>
-          <p:nvSpPr>
-            <p:cNvPr id="10" name="Elipse 9">
-              <a:extLst>
-                <a:ext uri="{FF2B5EF4-FFF2-40B4-BE49-F238E27FC236}">
-                  <a16:creationId xmlns:a16="http://schemas.microsoft.com/office/drawing/2014/main" id="{4931CEDA-37EE-441D-A707-0F35DD41258F}"/>
-                </a:ext>
-              </a:extLst>
-            </p:cNvPr>
-            <p:cNvSpPr/>
-            <p:nvPr/>
-          </p:nvSpPr>
-          <p:spPr>
-            <a:xfrm>
-              <a:off x="5376908" y="4434425"/>
-              <a:ext cx="1260630" cy="1251722"/>
-            </a:xfrm>
-            <a:prstGeom prst="ellipse">
-              <a:avLst/>
-            </a:prstGeom>
-            <a:solidFill>
-              <a:srgbClr val="202F38"/>
-            </a:solidFill>
-            <a:ln>
-              <a:noFill/>
-            </a:ln>
-          </p:spPr>
-          <p:style>
-            <a:lnRef idx="2">
-              <a:schemeClr val="accent1">
-                <a:shade val="50000"/>
-              </a:schemeClr>
-            </a:lnRef>
-            <a:fillRef idx="1">
-              <a:schemeClr val="accent1"/>
-            </a:fillRef>
-            <a:effectRef idx="0">
-              <a:schemeClr val="accent1"/>
-            </a:effectRef>
-            <a:fontRef idx="minor">
-              <a:schemeClr val="lt1"/>
-            </a:fontRef>
-          </p:style>
-          <p:txBody>
-            <a:bodyPr rtlCol="0" anchor="ctr"/>
-            <a:lstStyle/>
-            <a:p>
-              <a:pPr algn="ctr"/>
-              <a:endParaRPr lang="pt-BR"/>
-            </a:p>
-          </p:txBody>
-        </p:sp>
-        <p:cxnSp>
-          <p:nvCxnSpPr>
-            <p:cNvPr id="12" name="Conector reto 11">
-              <a:extLst>
-                <a:ext uri="{FF2B5EF4-FFF2-40B4-BE49-F238E27FC236}">
-                  <a16:creationId xmlns:a16="http://schemas.microsoft.com/office/drawing/2014/main" id="{6147B197-B699-4B86-AC03-EA1F716D1F97}"/>
-                </a:ext>
-              </a:extLst>
-            </p:cNvPr>
-            <p:cNvCxnSpPr>
-              <a:cxnSpLocks/>
-              <a:endCxn id="15" idx="4"/>
-            </p:cNvCxnSpPr>
-            <p:nvPr/>
-          </p:nvCxnSpPr>
-          <p:spPr>
-            <a:xfrm>
-              <a:off x="2163194" y="1349405"/>
-              <a:ext cx="26629" cy="2436846"/>
-            </a:xfrm>
-            <a:prstGeom prst="line">
-              <a:avLst/>
-            </a:prstGeom>
-            <a:ln w="9525" cap="flat" cmpd="sng" algn="ctr">
-              <a:solidFill>
-                <a:schemeClr val="accent2"/>
-              </a:solidFill>
-              <a:prstDash val="dash"/>
-              <a:round/>
-              <a:headEnd type="none" w="med" len="med"/>
-              <a:tailEnd type="none" w="med" len="med"/>
-            </a:ln>
-          </p:spPr>
-          <p:style>
-            <a:lnRef idx="0">
-              <a:scrgbClr r="0" g="0" b="0"/>
-            </a:lnRef>
-            <a:fillRef idx="0">
-              <a:scrgbClr r="0" g="0" b="0"/>
-            </a:fillRef>
-            <a:effectRef idx="0">
-              <a:scrgbClr r="0" g="0" b="0"/>
-            </a:effectRef>
-            <a:fontRef idx="minor">
-              <a:schemeClr val="tx1"/>
-            </a:fontRef>
-          </p:style>
-        </p:cxnSp>
-        <p:cxnSp>
-          <p:nvCxnSpPr>
-            <p:cNvPr id="13" name="Conector reto 12">
-              <a:extLst>
-                <a:ext uri="{FF2B5EF4-FFF2-40B4-BE49-F238E27FC236}">
-                  <a16:creationId xmlns:a16="http://schemas.microsoft.com/office/drawing/2014/main" id="{4A3ABEA0-2412-4BBD-BA56-E81F21175546}"/>
-                </a:ext>
-              </a:extLst>
-            </p:cNvPr>
-            <p:cNvCxnSpPr>
-              <a:cxnSpLocks/>
-            </p:cNvCxnSpPr>
-            <p:nvPr/>
-          </p:nvCxnSpPr>
-          <p:spPr>
-            <a:xfrm>
-              <a:off x="9860134" y="1349405"/>
-              <a:ext cx="0" cy="2425764"/>
-            </a:xfrm>
-            <a:prstGeom prst="line">
-              <a:avLst/>
-            </a:prstGeom>
-            <a:ln w="9525" cap="flat" cmpd="sng" algn="ctr">
-              <a:solidFill>
-                <a:schemeClr val="accent2"/>
-              </a:solidFill>
-              <a:prstDash val="dash"/>
-              <a:round/>
-              <a:headEnd type="none" w="med" len="med"/>
-              <a:tailEnd type="none" w="med" len="med"/>
-            </a:ln>
-          </p:spPr>
-          <p:style>
-            <a:lnRef idx="0">
-              <a:scrgbClr r="0" g="0" b="0"/>
-            </a:lnRef>
-            <a:fillRef idx="0">
-              <a:scrgbClr r="0" g="0" b="0"/>
-            </a:fillRef>
-            <a:effectRef idx="0">
-              <a:scrgbClr r="0" g="0" b="0"/>
-            </a:effectRef>
-            <a:fontRef idx="minor">
-              <a:schemeClr val="tx1"/>
-            </a:fontRef>
-          </p:style>
-        </p:cxnSp>
-        <p:sp>
-          <p:nvSpPr>
-            <p:cNvPr id="14" name="Elipse 13">
-              <a:extLst>
-                <a:ext uri="{FF2B5EF4-FFF2-40B4-BE49-F238E27FC236}">
-                  <a16:creationId xmlns:a16="http://schemas.microsoft.com/office/drawing/2014/main" id="{B2D306EB-6CEB-4FF5-9340-7B5C09860930}"/>
-                </a:ext>
-              </a:extLst>
-            </p:cNvPr>
-            <p:cNvSpPr/>
-            <p:nvPr/>
-          </p:nvSpPr>
-          <p:spPr>
-            <a:xfrm>
-              <a:off x="9194308" y="2534529"/>
-              <a:ext cx="1260630" cy="1251722"/>
-            </a:xfrm>
-            <a:prstGeom prst="ellipse">
-              <a:avLst/>
-            </a:prstGeom>
-            <a:solidFill>
-              <a:srgbClr val="202F38"/>
-            </a:solidFill>
-            <a:ln>
-              <a:noFill/>
-            </a:ln>
-          </p:spPr>
-          <p:style>
-            <a:lnRef idx="2">
-              <a:schemeClr val="accent1">
-                <a:shade val="50000"/>
-              </a:schemeClr>
-            </a:lnRef>
-            <a:fillRef idx="1">
-              <a:schemeClr val="accent1"/>
-            </a:fillRef>
-            <a:effectRef idx="0">
-              <a:schemeClr val="accent1"/>
-            </a:effectRef>
-            <a:fontRef idx="minor">
-              <a:schemeClr val="lt1"/>
-            </a:fontRef>
-          </p:style>
-          <p:txBody>
-            <a:bodyPr rtlCol="0" anchor="ctr"/>
-            <a:lstStyle/>
-            <a:p>
-              <a:pPr algn="ctr"/>
-              <a:endParaRPr lang="pt-BR"/>
-            </a:p>
-          </p:txBody>
-        </p:sp>
-        <p:sp>
-          <p:nvSpPr>
-            <p:cNvPr id="15" name="Elipse 14">
-              <a:extLst>
-                <a:ext uri="{FF2B5EF4-FFF2-40B4-BE49-F238E27FC236}">
-                  <a16:creationId xmlns:a16="http://schemas.microsoft.com/office/drawing/2014/main" id="{587D9688-81B6-42A4-AD4F-80AC961BEDF3}"/>
-                </a:ext>
-              </a:extLst>
-            </p:cNvPr>
-            <p:cNvSpPr/>
-            <p:nvPr/>
-          </p:nvSpPr>
-          <p:spPr>
-            <a:xfrm>
-              <a:off x="1559508" y="2534529"/>
-              <a:ext cx="1260630" cy="1251722"/>
-            </a:xfrm>
-            <a:prstGeom prst="ellipse">
-              <a:avLst/>
-            </a:prstGeom>
-            <a:solidFill>
-              <a:srgbClr val="202F38"/>
-            </a:solidFill>
-            <a:ln>
-              <a:noFill/>
-            </a:ln>
-          </p:spPr>
-          <p:style>
-            <a:lnRef idx="2">
-              <a:schemeClr val="accent1">
-                <a:shade val="50000"/>
-              </a:schemeClr>
-            </a:lnRef>
-            <a:fillRef idx="1">
-              <a:schemeClr val="accent1"/>
-            </a:fillRef>
-            <a:effectRef idx="0">
-              <a:schemeClr val="accent1"/>
-            </a:effectRef>
-            <a:fontRef idx="minor">
-              <a:schemeClr val="lt1"/>
-            </a:fontRef>
-          </p:style>
-          <p:txBody>
-            <a:bodyPr rtlCol="0" anchor="ctr"/>
-            <a:lstStyle/>
-            <a:p>
-              <a:pPr algn="ctr"/>
-              <a:endParaRPr lang="pt-BR"/>
-            </a:p>
-          </p:txBody>
-        </p:sp>
-        <p:cxnSp>
-          <p:nvCxnSpPr>
-            <p:cNvPr id="29" name="Conector reto 28">
-              <a:extLst>
-                <a:ext uri="{FF2B5EF4-FFF2-40B4-BE49-F238E27FC236}">
-                  <a16:creationId xmlns:a16="http://schemas.microsoft.com/office/drawing/2014/main" id="{5489D7EA-83FD-4434-A773-420A0D88EC7D}"/>
-                </a:ext>
-              </a:extLst>
-            </p:cNvPr>
-            <p:cNvCxnSpPr>
-              <a:cxnSpLocks/>
-            </p:cNvCxnSpPr>
-            <p:nvPr/>
-          </p:nvCxnSpPr>
-          <p:spPr>
-            <a:xfrm flipV="1">
-              <a:off x="930677" y="3169208"/>
-              <a:ext cx="0" cy="2084773"/>
-            </a:xfrm>
-            <a:prstGeom prst="line">
-              <a:avLst/>
-            </a:prstGeom>
-            <a:ln w="9525" cap="flat" cmpd="sng" algn="ctr">
-              <a:solidFill>
-                <a:schemeClr val="accent2"/>
-              </a:solidFill>
-              <a:prstDash val="dash"/>
-              <a:round/>
-              <a:headEnd type="none" w="med" len="med"/>
-              <a:tailEnd type="none" w="med" len="med"/>
-            </a:ln>
-          </p:spPr>
-          <p:style>
-            <a:lnRef idx="0">
-              <a:scrgbClr r="0" g="0" b="0"/>
-            </a:lnRef>
-            <a:fillRef idx="0">
-              <a:scrgbClr r="0" g="0" b="0"/>
-            </a:fillRef>
-            <a:effectRef idx="0">
-              <a:scrgbClr r="0" g="0" b="0"/>
-            </a:effectRef>
-            <a:fontRef idx="minor">
-              <a:schemeClr val="tx1"/>
-            </a:fontRef>
-          </p:style>
-        </p:cxnSp>
-        <p:cxnSp>
-          <p:nvCxnSpPr>
-            <p:cNvPr id="31" name="Conector reto 30">
-              <a:extLst>
-                <a:ext uri="{FF2B5EF4-FFF2-40B4-BE49-F238E27FC236}">
-                  <a16:creationId xmlns:a16="http://schemas.microsoft.com/office/drawing/2014/main" id="{C2563D67-4F2A-4A5F-86D2-80DD62957433}"/>
-                </a:ext>
-              </a:extLst>
-            </p:cNvPr>
-            <p:cNvCxnSpPr>
-              <a:cxnSpLocks/>
-            </p:cNvCxnSpPr>
-            <p:nvPr/>
-          </p:nvCxnSpPr>
-          <p:spPr>
-            <a:xfrm flipV="1">
-              <a:off x="3494845" y="3151572"/>
-              <a:ext cx="0" cy="2084773"/>
-            </a:xfrm>
-            <a:prstGeom prst="line">
-              <a:avLst/>
-            </a:prstGeom>
-            <a:ln w="9525" cap="flat" cmpd="sng" algn="ctr">
-              <a:solidFill>
-                <a:schemeClr val="accent2"/>
-              </a:solidFill>
-              <a:prstDash val="dash"/>
-              <a:round/>
-              <a:headEnd type="none" w="med" len="med"/>
-              <a:tailEnd type="none" w="med" len="med"/>
-            </a:ln>
-          </p:spPr>
-          <p:style>
-            <a:lnRef idx="0">
-              <a:scrgbClr r="0" g="0" b="0"/>
-            </a:lnRef>
-            <a:fillRef idx="0">
-              <a:scrgbClr r="0" g="0" b="0"/>
-            </a:fillRef>
-            <a:effectRef idx="0">
-              <a:scrgbClr r="0" g="0" b="0"/>
-            </a:effectRef>
-            <a:fontRef idx="minor">
-              <a:schemeClr val="tx1"/>
-            </a:fontRef>
-          </p:style>
-        </p:cxnSp>
-        <p:cxnSp>
-          <p:nvCxnSpPr>
-            <p:cNvPr id="32" name="Conector reto 31">
-              <a:extLst>
-                <a:ext uri="{FF2B5EF4-FFF2-40B4-BE49-F238E27FC236}">
-                  <a16:creationId xmlns:a16="http://schemas.microsoft.com/office/drawing/2014/main" id="{33AC0D17-714E-486C-A9F4-DE6BB15051F9}"/>
-                </a:ext>
-              </a:extLst>
-            </p:cNvPr>
-            <p:cNvCxnSpPr>
-              <a:cxnSpLocks/>
-            </p:cNvCxnSpPr>
-            <p:nvPr/>
-          </p:nvCxnSpPr>
-          <p:spPr>
-            <a:xfrm flipV="1">
-              <a:off x="11159232" y="3169208"/>
-              <a:ext cx="0" cy="2084773"/>
-            </a:xfrm>
-            <a:prstGeom prst="line">
-              <a:avLst/>
-            </a:prstGeom>
-            <a:ln w="9525" cap="flat" cmpd="sng" algn="ctr">
-              <a:solidFill>
-                <a:schemeClr val="accent2"/>
-              </a:solidFill>
-              <a:prstDash val="dash"/>
-              <a:round/>
-              <a:headEnd type="none" w="med" len="med"/>
-              <a:tailEnd type="none" w="med" len="med"/>
-            </a:ln>
-          </p:spPr>
-          <p:style>
-            <a:lnRef idx="0">
-              <a:scrgbClr r="0" g="0" b="0"/>
-            </a:lnRef>
-            <a:fillRef idx="0">
-              <a:scrgbClr r="0" g="0" b="0"/>
-            </a:fillRef>
-            <a:effectRef idx="0">
-              <a:scrgbClr r="0" g="0" b="0"/>
-            </a:effectRef>
-            <a:fontRef idx="minor">
-              <a:schemeClr val="tx1"/>
-            </a:fontRef>
-          </p:style>
-        </p:cxnSp>
-        <p:cxnSp>
-          <p:nvCxnSpPr>
-            <p:cNvPr id="33" name="Conector reto 32">
-              <a:extLst>
-                <a:ext uri="{FF2B5EF4-FFF2-40B4-BE49-F238E27FC236}">
-                  <a16:creationId xmlns:a16="http://schemas.microsoft.com/office/drawing/2014/main" id="{AC41048B-C8CC-4F38-A248-515D3A601CDA}"/>
-                </a:ext>
-              </a:extLst>
-            </p:cNvPr>
-            <p:cNvCxnSpPr>
-              <a:cxnSpLocks/>
-            </p:cNvCxnSpPr>
-            <p:nvPr/>
-          </p:nvCxnSpPr>
-          <p:spPr>
-            <a:xfrm flipV="1">
-              <a:off x="8586187" y="3169208"/>
-              <a:ext cx="0" cy="2084773"/>
-            </a:xfrm>
-            <a:prstGeom prst="line">
-              <a:avLst/>
-            </a:prstGeom>
-            <a:ln w="9525" cap="flat" cmpd="sng" algn="ctr">
-              <a:solidFill>
-                <a:schemeClr val="accent2"/>
-              </a:solidFill>
-              <a:prstDash val="dash"/>
-              <a:round/>
-              <a:headEnd type="none" w="med" len="med"/>
-              <a:tailEnd type="none" w="med" len="med"/>
-            </a:ln>
-          </p:spPr>
-          <p:style>
-            <a:lnRef idx="0">
-              <a:scrgbClr r="0" g="0" b="0"/>
-            </a:lnRef>
-            <a:fillRef idx="0">
-              <a:scrgbClr r="0" g="0" b="0"/>
-            </a:fillRef>
-            <a:effectRef idx="0">
-              <a:scrgbClr r="0" g="0" b="0"/>
-            </a:effectRef>
-            <a:fontRef idx="minor">
-              <a:schemeClr val="tx1"/>
-            </a:fontRef>
-          </p:style>
-        </p:cxnSp>
-        <p:sp>
-          <p:nvSpPr>
-            <p:cNvPr id="34" name="Elipse 33">
-              <a:extLst>
-                <a:ext uri="{FF2B5EF4-FFF2-40B4-BE49-F238E27FC236}">
-                  <a16:creationId xmlns:a16="http://schemas.microsoft.com/office/drawing/2014/main" id="{A742921F-5220-41DB-A1DA-49E954A6C511}"/>
-                </a:ext>
-              </a:extLst>
-            </p:cNvPr>
-            <p:cNvSpPr/>
-            <p:nvPr/>
-          </p:nvSpPr>
-          <p:spPr>
-            <a:xfrm>
-              <a:off x="7951434" y="4434426"/>
-              <a:ext cx="1260630" cy="1251722"/>
-            </a:xfrm>
-            <a:prstGeom prst="ellipse">
-              <a:avLst/>
-            </a:prstGeom>
-            <a:solidFill>
-              <a:srgbClr val="202F38"/>
-            </a:solidFill>
-            <a:ln>
-              <a:noFill/>
-            </a:ln>
-          </p:spPr>
-          <p:style>
-            <a:lnRef idx="2">
-              <a:schemeClr val="accent1">
-                <a:shade val="50000"/>
-              </a:schemeClr>
-            </a:lnRef>
-            <a:fillRef idx="1">
-              <a:schemeClr val="accent1"/>
-            </a:fillRef>
-            <a:effectRef idx="0">
-              <a:schemeClr val="accent1"/>
-            </a:effectRef>
-            <a:fontRef idx="minor">
-              <a:schemeClr val="lt1"/>
-            </a:fontRef>
-          </p:style>
-          <p:txBody>
-            <a:bodyPr rtlCol="0" anchor="ctr"/>
-            <a:lstStyle/>
-            <a:p>
-              <a:pPr algn="ctr"/>
-              <a:endParaRPr lang="pt-BR"/>
-            </a:p>
-          </p:txBody>
-        </p:sp>
-        <p:sp>
-          <p:nvSpPr>
-            <p:cNvPr id="35" name="Elipse 34">
-              <a:extLst>
-                <a:ext uri="{FF2B5EF4-FFF2-40B4-BE49-F238E27FC236}">
-                  <a16:creationId xmlns:a16="http://schemas.microsoft.com/office/drawing/2014/main" id="{9F25A422-B003-4F0C-978C-A4F2B2E991BD}"/>
-                </a:ext>
-              </a:extLst>
-            </p:cNvPr>
-            <p:cNvSpPr/>
-            <p:nvPr/>
-          </p:nvSpPr>
-          <p:spPr>
-            <a:xfrm>
-              <a:off x="316634" y="4434426"/>
-              <a:ext cx="1260630" cy="1251722"/>
-            </a:xfrm>
-            <a:prstGeom prst="ellipse">
-              <a:avLst/>
-            </a:prstGeom>
-            <a:solidFill>
-              <a:srgbClr val="202F38"/>
-            </a:solidFill>
-            <a:ln>
-              <a:noFill/>
-            </a:ln>
-          </p:spPr>
-          <p:style>
-            <a:lnRef idx="2">
-              <a:schemeClr val="accent1">
-                <a:shade val="50000"/>
-              </a:schemeClr>
-            </a:lnRef>
-            <a:fillRef idx="1">
-              <a:schemeClr val="accent1"/>
-            </a:fillRef>
-            <a:effectRef idx="0">
-              <a:schemeClr val="accent1"/>
-            </a:effectRef>
-            <a:fontRef idx="minor">
-              <a:schemeClr val="lt1"/>
-            </a:fontRef>
-          </p:style>
-          <p:txBody>
-            <a:bodyPr rtlCol="0" anchor="ctr"/>
-            <a:lstStyle/>
-            <a:p>
-              <a:pPr algn="ctr"/>
-              <a:endParaRPr lang="pt-BR"/>
-            </a:p>
-          </p:txBody>
-        </p:sp>
-        <p:sp>
-          <p:nvSpPr>
-            <p:cNvPr id="36" name="Elipse 35">
-              <a:extLst>
-                <a:ext uri="{FF2B5EF4-FFF2-40B4-BE49-F238E27FC236}">
-                  <a16:creationId xmlns:a16="http://schemas.microsoft.com/office/drawing/2014/main" id="{DAAE6A9A-8556-4206-A21D-E5D5F89DAF73}"/>
-                </a:ext>
-              </a:extLst>
-            </p:cNvPr>
-            <p:cNvSpPr/>
-            <p:nvPr/>
-          </p:nvSpPr>
-          <p:spPr>
-            <a:xfrm>
-              <a:off x="10525959" y="4392212"/>
-              <a:ext cx="1260630" cy="1251722"/>
-            </a:xfrm>
-            <a:prstGeom prst="ellipse">
-              <a:avLst/>
-            </a:prstGeom>
-            <a:solidFill>
-              <a:srgbClr val="202F38"/>
-            </a:solidFill>
-            <a:ln>
-              <a:noFill/>
-            </a:ln>
-          </p:spPr>
-          <p:style>
-            <a:lnRef idx="2">
-              <a:schemeClr val="accent1">
-                <a:shade val="50000"/>
-              </a:schemeClr>
-            </a:lnRef>
-            <a:fillRef idx="1">
-              <a:schemeClr val="accent1"/>
-            </a:fillRef>
-            <a:effectRef idx="0">
-              <a:schemeClr val="accent1"/>
-            </a:effectRef>
-            <a:fontRef idx="minor">
-              <a:schemeClr val="lt1"/>
-            </a:fontRef>
-          </p:style>
-          <p:txBody>
-            <a:bodyPr rtlCol="0" anchor="ctr"/>
-            <a:lstStyle/>
-            <a:p>
-              <a:pPr algn="ctr"/>
-              <a:endParaRPr lang="pt-BR"/>
-            </a:p>
-          </p:txBody>
-        </p:sp>
-        <p:sp>
-          <p:nvSpPr>
-            <p:cNvPr id="37" name="Elipse 36">
-              <a:extLst>
-                <a:ext uri="{FF2B5EF4-FFF2-40B4-BE49-F238E27FC236}">
-                  <a16:creationId xmlns:a16="http://schemas.microsoft.com/office/drawing/2014/main" id="{7D9D3B3A-58CF-45B8-8041-5637E842D337}"/>
-                </a:ext>
-              </a:extLst>
-            </p:cNvPr>
-            <p:cNvSpPr/>
-            <p:nvPr/>
-          </p:nvSpPr>
-          <p:spPr>
-            <a:xfrm>
-              <a:off x="2891159" y="4392212"/>
-              <a:ext cx="1260630" cy="1251722"/>
-            </a:xfrm>
-            <a:prstGeom prst="ellipse">
-              <a:avLst/>
-            </a:prstGeom>
-            <a:solidFill>
-              <a:srgbClr val="202F38"/>
-            </a:solidFill>
-            <a:ln>
-              <a:noFill/>
-            </a:ln>
-          </p:spPr>
-          <p:style>
-            <a:lnRef idx="2">
-              <a:schemeClr val="accent1">
-                <a:shade val="50000"/>
-              </a:schemeClr>
-            </a:lnRef>
-            <a:fillRef idx="1">
-              <a:schemeClr val="accent1"/>
-            </a:fillRef>
-            <a:effectRef idx="0">
-              <a:schemeClr val="accent1"/>
-            </a:effectRef>
-            <a:fontRef idx="minor">
-              <a:schemeClr val="lt1"/>
-            </a:fontRef>
-          </p:style>
-          <p:txBody>
-            <a:bodyPr rtlCol="0" anchor="ctr"/>
-            <a:lstStyle/>
-            <a:p>
-              <a:pPr algn="ctr"/>
-              <a:endParaRPr lang="pt-BR"/>
-            </a:p>
-          </p:txBody>
-        </p:sp>
-      </p:grpSp>
       <p:sp>
         <p:nvSpPr>
           <p:cNvPr id="38" name="Retângulo 37">
@@ -9321,12 +9067,143 @@
           </a:p>
         </p:txBody>
       </p:sp>
+      <p:pic>
+        <p:nvPicPr>
+          <p:cNvPr id="5" name="Gráfico 4" descr="Homem">
+            <a:extLst>
+              <a:ext uri="{FF2B5EF4-FFF2-40B4-BE49-F238E27FC236}">
+                <a16:creationId xmlns:a16="http://schemas.microsoft.com/office/drawing/2014/main" id="{9994E65B-B426-4CB7-BC1C-4E56B5A449F4}"/>
+              </a:ext>
+            </a:extLst>
+          </p:cNvPr>
+          <p:cNvPicPr>
+            <a:picLocks noChangeAspect="1"/>
+          </p:cNvPicPr>
+          <p:nvPr/>
+        </p:nvPicPr>
+        <p:blipFill>
+          <a:blip r:embed="rId2">
+            <a:extLst>
+              <a:ext uri="{28A0092B-C50C-407E-A947-70E740481C1C}">
+                <a14:useLocalDpi xmlns:a14="http://schemas.microsoft.com/office/drawing/2010/main" val="0"/>
+              </a:ext>
+              <a:ext uri="{96DAC541-7B7A-43D3-8B79-37D633B846F1}">
+                <asvg:svgBlip xmlns:asvg="http://schemas.microsoft.com/office/drawing/2016/SVG/main" r:embed="rId3"/>
+              </a:ext>
+            </a:extLst>
+          </a:blip>
+          <a:stretch>
+            <a:fillRect/>
+          </a:stretch>
+        </p:blipFill>
+        <p:spPr>
+          <a:xfrm>
+            <a:off x="-252829" y="611156"/>
+            <a:ext cx="2593258" cy="2593258"/>
+          </a:xfrm>
+          <a:prstGeom prst="rect">
+            <a:avLst/>
+          </a:prstGeom>
+        </p:spPr>
+      </p:pic>
+      <p:pic>
+        <p:nvPicPr>
+          <p:cNvPr id="26" name="Gráfico 25" descr="Homem">
+            <a:extLst>
+              <a:ext uri="{FF2B5EF4-FFF2-40B4-BE49-F238E27FC236}">
+                <a16:creationId xmlns:a16="http://schemas.microsoft.com/office/drawing/2014/main" id="{14EB6AC8-C28C-4763-9AA7-E8E02717AAE0}"/>
+              </a:ext>
+            </a:extLst>
+          </p:cNvPr>
+          <p:cNvPicPr>
+            <a:picLocks noChangeAspect="1"/>
+          </p:cNvPicPr>
+          <p:nvPr/>
+        </p:nvPicPr>
+        <p:blipFill>
+          <a:blip r:embed="rId4">
+            <a:extLst>
+              <a:ext uri="{28A0092B-C50C-407E-A947-70E740481C1C}">
+                <a14:useLocalDpi xmlns:a14="http://schemas.microsoft.com/office/drawing/2010/main" val="0"/>
+              </a:ext>
+              <a:ext uri="{96DAC541-7B7A-43D3-8B79-37D633B846F1}">
+                <asvg:svgBlip xmlns:asvg="http://schemas.microsoft.com/office/drawing/2016/SVG/main" r:embed="rId5"/>
+              </a:ext>
+            </a:extLst>
+          </a:blip>
+          <a:stretch>
+            <a:fillRect/>
+          </a:stretch>
+        </p:blipFill>
+        <p:spPr>
+          <a:xfrm>
+            <a:off x="-252829" y="3507407"/>
+            <a:ext cx="2593258" cy="2593258"/>
+          </a:xfrm>
+          <a:prstGeom prst="rect">
+            <a:avLst/>
+          </a:prstGeom>
+        </p:spPr>
+      </p:pic>
       <p:sp>
         <p:nvSpPr>
-          <p:cNvPr id="39" name="CaixaDeTexto 38">
+          <p:cNvPr id="7" name="Retângulo: Cantos Arredondados 6">
             <a:extLst>
               <a:ext uri="{FF2B5EF4-FFF2-40B4-BE49-F238E27FC236}">
-                <a16:creationId xmlns:a16="http://schemas.microsoft.com/office/drawing/2014/main" id="{14FCDD87-6866-44E7-A2D9-0A60D52F6ADF}"/>
+                <a16:creationId xmlns:a16="http://schemas.microsoft.com/office/drawing/2014/main" id="{A336436C-9E4F-4123-9951-CF2B51BF5087}"/>
+              </a:ext>
+            </a:extLst>
+          </p:cNvPr>
+          <p:cNvSpPr/>
+          <p:nvPr/>
+        </p:nvSpPr>
+        <p:spPr>
+          <a:xfrm>
+            <a:off x="1912776" y="757335"/>
+            <a:ext cx="6503436" cy="2357383"/>
+          </a:xfrm>
+          <a:prstGeom prst="roundRect">
+            <a:avLst/>
+          </a:prstGeom>
+          <a:noFill/>
+          <a:ln>
+            <a:solidFill>
+              <a:srgbClr val="202F38"/>
+            </a:solidFill>
+            <a:prstDash val="sysDash"/>
+          </a:ln>
+        </p:spPr>
+        <p:style>
+          <a:lnRef idx="2">
+            <a:schemeClr val="accent1">
+              <a:shade val="50000"/>
+            </a:schemeClr>
+          </a:lnRef>
+          <a:fillRef idx="1">
+            <a:schemeClr val="accent1"/>
+          </a:fillRef>
+          <a:effectRef idx="0">
+            <a:schemeClr val="accent1"/>
+          </a:effectRef>
+          <a:fontRef idx="minor">
+            <a:schemeClr val="lt1"/>
+          </a:fontRef>
+        </p:style>
+        <p:txBody>
+          <a:bodyPr rtlCol="0" anchor="ctr"/>
+          <a:lstStyle/>
+          <a:p>
+            <a:pPr algn="ctr"/>
+            <a:endParaRPr lang="pt-BR"/>
+          </a:p>
+        </p:txBody>
+      </p:sp>
+      <p:sp>
+        <p:nvSpPr>
+          <p:cNvPr id="8" name="CaixaDeTexto 7">
+            <a:extLst>
+              <a:ext uri="{FF2B5EF4-FFF2-40B4-BE49-F238E27FC236}">
+                <a16:creationId xmlns:a16="http://schemas.microsoft.com/office/drawing/2014/main" id="{DDFCB7EC-C71B-49C9-88EA-325E8D241328}"/>
               </a:ext>
             </a:extLst>
           </p:cNvPr>
@@ -9335,8 +9212,8 @@
         </p:nvSpPr>
         <p:spPr>
           <a:xfrm>
-            <a:off x="10951216" y="6407570"/>
-            <a:ext cx="1056700" cy="276999"/>
+            <a:off x="2066730" y="859689"/>
+            <a:ext cx="1179419" cy="307777"/>
           </a:xfrm>
           <a:prstGeom prst="rect">
             <a:avLst/>
@@ -9344,30 +9221,28 @@
           <a:noFill/>
         </p:spPr>
         <p:txBody>
-          <a:bodyPr wrap="none" rtlCol="0">
+          <a:bodyPr wrap="square" rtlCol="0">
             <a:spAutoFit/>
           </a:bodyPr>
           <a:lstStyle/>
           <a:p>
-            <a:pPr algn="ctr"/>
             <a:r>
-              <a:rPr lang="pt-BR" sz="1200" dirty="0">
+              <a:rPr lang="pt-BR" sz="1400" b="1" dirty="0">
                 <a:solidFill>
                   <a:srgbClr val="202F38"/>
                 </a:solidFill>
-                <a:latin typeface="Century Gothic" panose="020B0502020202020204" pitchFamily="34" charset="0"/>
               </a:rPr>
-              <a:t>[IMAGE 2.3]</a:t>
+              <a:t>Consumidor </a:t>
             </a:r>
           </a:p>
         </p:txBody>
       </p:sp>
       <p:sp>
         <p:nvSpPr>
-          <p:cNvPr id="2" name="Elipse 1">
+          <p:cNvPr id="9" name="Retângulo: Cantos Arredondados 8">
             <a:extLst>
               <a:ext uri="{FF2B5EF4-FFF2-40B4-BE49-F238E27FC236}">
-                <a16:creationId xmlns:a16="http://schemas.microsoft.com/office/drawing/2014/main" id="{D281A4D1-A036-4818-9273-AC7145967CF2}"/>
+                <a16:creationId xmlns:a16="http://schemas.microsoft.com/office/drawing/2014/main" id="{2E6642AC-AA88-4877-B817-4E0DAD82744B}"/>
               </a:ext>
             </a:extLst>
           </p:cNvPr>
@@ -9376,14 +9251,272 @@
         </p:nvSpPr>
         <p:spPr>
           <a:xfrm>
-            <a:off x="5376908" y="656946"/>
-            <a:ext cx="1260630" cy="1251722"/>
+            <a:off x="1912775" y="3716563"/>
+            <a:ext cx="6503436" cy="2357383"/>
           </a:xfrm>
-          <a:prstGeom prst="ellipse">
+          <a:prstGeom prst="roundRect">
+            <a:avLst/>
+          </a:prstGeom>
+          <a:noFill/>
+          <a:ln>
+            <a:solidFill>
+              <a:srgbClr val="F09456"/>
+            </a:solidFill>
+            <a:prstDash val="sysDash"/>
+          </a:ln>
+        </p:spPr>
+        <p:style>
+          <a:lnRef idx="2">
+            <a:schemeClr val="accent1">
+              <a:shade val="50000"/>
+            </a:schemeClr>
+          </a:lnRef>
+          <a:fillRef idx="1">
+            <a:schemeClr val="accent1"/>
+          </a:fillRef>
+          <a:effectRef idx="0">
+            <a:schemeClr val="accent1"/>
+          </a:effectRef>
+          <a:fontRef idx="minor">
+            <a:schemeClr val="lt1"/>
+          </a:fontRef>
+        </p:style>
+        <p:txBody>
+          <a:bodyPr rtlCol="0" anchor="ctr"/>
+          <a:lstStyle/>
+          <a:p>
+            <a:pPr algn="ctr"/>
+            <a:endParaRPr lang="pt-BR"/>
+          </a:p>
+        </p:txBody>
+      </p:sp>
+      <p:sp>
+        <p:nvSpPr>
+          <p:cNvPr id="15" name="CaixaDeTexto 14">
+            <a:extLst>
+              <a:ext uri="{FF2B5EF4-FFF2-40B4-BE49-F238E27FC236}">
+                <a16:creationId xmlns:a16="http://schemas.microsoft.com/office/drawing/2014/main" id="{76F30DF3-92B2-440D-AB53-2C14B0F6DE36}"/>
+              </a:ext>
+            </a:extLst>
+          </p:cNvPr>
+          <p:cNvSpPr txBox="1"/>
+          <p:nvPr/>
+        </p:nvSpPr>
+        <p:spPr>
+          <a:xfrm>
+            <a:off x="2066731" y="3780566"/>
+            <a:ext cx="877076" cy="307777"/>
+          </a:xfrm>
+          <a:prstGeom prst="rect">
+            <a:avLst/>
+          </a:prstGeom>
+          <a:noFill/>
+        </p:spPr>
+        <p:txBody>
+          <a:bodyPr wrap="square" rtlCol="0">
+            <a:spAutoFit/>
+          </a:bodyPr>
+          <a:lstStyle/>
+          <a:p>
+            <a:r>
+              <a:rPr lang="pt-BR" sz="1400" b="1" dirty="0">
+                <a:solidFill>
+                  <a:srgbClr val="202F38"/>
+                </a:solidFill>
+              </a:rPr>
+              <a:t>Mercado</a:t>
+            </a:r>
+          </a:p>
+        </p:txBody>
+      </p:sp>
+      <p:sp>
+        <p:nvSpPr>
+          <p:cNvPr id="2" name="CaixaDeTexto 1">
+            <a:extLst>
+              <a:ext uri="{FF2B5EF4-FFF2-40B4-BE49-F238E27FC236}">
+                <a16:creationId xmlns:a16="http://schemas.microsoft.com/office/drawing/2014/main" id="{317C9D8A-081C-4C6B-BF9E-8FA37EF82F07}"/>
+              </a:ext>
+            </a:extLst>
+          </p:cNvPr>
+          <p:cNvSpPr txBox="1"/>
+          <p:nvPr/>
+        </p:nvSpPr>
+        <p:spPr>
+          <a:xfrm>
+            <a:off x="2019688" y="1313645"/>
+            <a:ext cx="6289609" cy="1477328"/>
+          </a:xfrm>
+          <a:prstGeom prst="rect">
+            <a:avLst/>
+          </a:prstGeom>
+          <a:noFill/>
+        </p:spPr>
+        <p:txBody>
+          <a:bodyPr wrap="square" rtlCol="0">
+            <a:spAutoFit/>
+          </a:bodyPr>
+          <a:lstStyle/>
+          <a:p>
+            <a:pPr marL="342900" indent="-342900">
+              <a:buFont typeface="+mj-lt"/>
+              <a:buAutoNum type="arabicPeriod"/>
+            </a:pPr>
+            <a:r>
+              <a:rPr lang="pt-BR" dirty="0"/>
+              <a:t>Faz compra em mercado </a:t>
+            </a:r>
+          </a:p>
+          <a:p>
+            <a:pPr marL="342900" indent="-342900">
+              <a:buFont typeface="+mj-lt"/>
+              <a:buAutoNum type="arabicPeriod"/>
+            </a:pPr>
+            <a:r>
+              <a:rPr lang="pt-BR" dirty="0"/>
+              <a:t>Informa CPF no momento do pagamento</a:t>
+            </a:r>
+          </a:p>
+          <a:p>
+            <a:pPr marL="342900" indent="-342900">
+              <a:buFont typeface="+mj-lt"/>
+              <a:buAutoNum type="arabicPeriod"/>
+            </a:pPr>
+            <a:r>
+              <a:rPr lang="pt-BR" dirty="0"/>
+              <a:t>Organiza compras no aplicativo (geladeira, despensa, outros)</a:t>
+            </a:r>
+          </a:p>
+          <a:p>
+            <a:pPr marL="342900" indent="-342900">
+              <a:buFont typeface="+mj-lt"/>
+              <a:buAutoNum type="arabicPeriod"/>
+            </a:pPr>
+            <a:r>
+              <a:rPr lang="pt-BR" dirty="0"/>
+              <a:t>Deleta itens do sistema após consumo</a:t>
+            </a:r>
+          </a:p>
+          <a:p>
+            <a:endParaRPr lang="pt-BR" dirty="0"/>
+          </a:p>
+        </p:txBody>
+      </p:sp>
+      <p:sp>
+        <p:nvSpPr>
+          <p:cNvPr id="18" name="CaixaDeTexto 17">
+            <a:extLst>
+              <a:ext uri="{FF2B5EF4-FFF2-40B4-BE49-F238E27FC236}">
+                <a16:creationId xmlns:a16="http://schemas.microsoft.com/office/drawing/2014/main" id="{A7F1E75C-6C04-44F8-8D85-991FBE865196}"/>
+              </a:ext>
+            </a:extLst>
+          </p:cNvPr>
+          <p:cNvSpPr txBox="1"/>
+          <p:nvPr/>
+        </p:nvSpPr>
+        <p:spPr>
+          <a:xfrm>
+            <a:off x="2019688" y="4342480"/>
+            <a:ext cx="6289609" cy="646331"/>
+          </a:xfrm>
+          <a:prstGeom prst="rect">
+            <a:avLst/>
+          </a:prstGeom>
+          <a:noFill/>
+        </p:spPr>
+        <p:txBody>
+          <a:bodyPr wrap="square" rtlCol="0">
+            <a:spAutoFit/>
+          </a:bodyPr>
+          <a:lstStyle/>
+          <a:p>
+            <a:pPr marL="342900" indent="-342900">
+              <a:buFont typeface="+mj-lt"/>
+              <a:buAutoNum type="arabicPeriod"/>
+            </a:pPr>
+            <a:r>
+              <a:rPr lang="pt-BR" dirty="0"/>
+              <a:t>Informa data de validade na </a:t>
+            </a:r>
+            <a:r>
+              <a:rPr lang="pt-BR" dirty="0" err="1"/>
+              <a:t>Nfe</a:t>
+            </a:r>
+            <a:endParaRPr lang="pt-BR" dirty="0"/>
+          </a:p>
+          <a:p>
+            <a:pPr marL="342900" indent="-342900">
+              <a:buFont typeface="+mj-lt"/>
+              <a:buAutoNum type="arabicPeriod"/>
+            </a:pPr>
+            <a:r>
+              <a:rPr lang="pt-BR" dirty="0"/>
+              <a:t>Disponibiliza </a:t>
+            </a:r>
+            <a:r>
+              <a:rPr lang="pt-BR" dirty="0" err="1"/>
+              <a:t>NFe</a:t>
+            </a:r>
+            <a:r>
+              <a:rPr lang="pt-BR" dirty="0"/>
+              <a:t> no sistema</a:t>
+            </a:r>
+          </a:p>
+        </p:txBody>
+      </p:sp>
+    </p:spTree>
+    <p:extLst>
+      <p:ext uri="{BB962C8B-B14F-4D97-AF65-F5344CB8AC3E}">
+        <p14:creationId xmlns:p14="http://schemas.microsoft.com/office/powerpoint/2010/main" val="2309134650"/>
+      </p:ext>
+    </p:extLst>
+  </p:cSld>
+  <p:clrMapOvr>
+    <a:masterClrMapping/>
+  </p:clrMapOvr>
+</p:sld>
+</file>
+
+<file path=ppt/slides/slide4.xml><?xml version="1.0" encoding="utf-8"?>
+<p:sld xmlns:a="http://schemas.openxmlformats.org/drawingml/2006/main" xmlns:r="http://schemas.openxmlformats.org/officeDocument/2006/relationships" xmlns:p="http://schemas.openxmlformats.org/presentationml/2006/main">
+  <p:cSld>
+    <p:spTree>
+      <p:nvGrpSpPr>
+        <p:cNvPr id="1" name=""/>
+        <p:cNvGrpSpPr/>
+        <p:nvPr/>
+      </p:nvGrpSpPr>
+      <p:grpSpPr>
+        <a:xfrm>
+          <a:off x="0" y="0"/>
+          <a:ext cx="0" cy="0"/>
+          <a:chOff x="0" y="0"/>
+          <a:chExt cx="0" cy="0"/>
+        </a:xfrm>
+      </p:grpSpPr>
+      <p:sp>
+        <p:nvSpPr>
+          <p:cNvPr id="38" name="Retângulo 37">
+            <a:extLst>
+              <a:ext uri="{FF2B5EF4-FFF2-40B4-BE49-F238E27FC236}">
+                <a16:creationId xmlns:a16="http://schemas.microsoft.com/office/drawing/2014/main" id="{46B9DB57-872B-4AF9-8864-FBD4BCBDA55A}"/>
+              </a:ext>
+            </a:extLst>
+          </p:cNvPr>
+          <p:cNvSpPr/>
+          <p:nvPr/>
+        </p:nvSpPr>
+        <p:spPr>
+          <a:xfrm>
+            <a:off x="0" y="97654"/>
+            <a:ext cx="3586579" cy="363985"/>
+          </a:xfrm>
+          <a:prstGeom prst="rect">
             <a:avLst/>
           </a:prstGeom>
           <a:solidFill>
-            <a:srgbClr val="202F38"/>
+            <a:schemeClr val="bg2">
+              <a:lumMod val="25000"/>
+            </a:schemeClr>
           </a:solidFill>
           <a:ln>
             <a:noFill/>
@@ -9410,14 +9543,376 @@
           <a:lstStyle/>
           <a:p>
             <a:pPr algn="ctr"/>
-            <a:endParaRPr lang="pt-BR"/>
+            <a:r>
+              <a:rPr lang="pt-BR" b="1" dirty="0">
+                <a:latin typeface="Century Gothic" panose="020B0502020202020204" pitchFamily="34" charset="0"/>
+              </a:rPr>
+              <a:t>PAPEIS CORPORATIVOS</a:t>
+            </a:r>
           </a:p>
         </p:txBody>
       </p:sp>
+      <p:sp>
+        <p:nvSpPr>
+          <p:cNvPr id="7" name="Retângulo: Cantos Arredondados 6">
+            <a:extLst>
+              <a:ext uri="{FF2B5EF4-FFF2-40B4-BE49-F238E27FC236}">
+                <a16:creationId xmlns:a16="http://schemas.microsoft.com/office/drawing/2014/main" id="{A336436C-9E4F-4123-9951-CF2B51BF5087}"/>
+              </a:ext>
+            </a:extLst>
+          </p:cNvPr>
+          <p:cNvSpPr/>
+          <p:nvPr/>
+        </p:nvSpPr>
+        <p:spPr>
+          <a:xfrm>
+            <a:off x="1912776" y="757335"/>
+            <a:ext cx="6503436" cy="2357383"/>
+          </a:xfrm>
+          <a:prstGeom prst="roundRect">
+            <a:avLst/>
+          </a:prstGeom>
+          <a:noFill/>
+          <a:ln>
+            <a:solidFill>
+              <a:srgbClr val="202F38"/>
+            </a:solidFill>
+            <a:prstDash val="sysDash"/>
+          </a:ln>
+        </p:spPr>
+        <p:style>
+          <a:lnRef idx="2">
+            <a:schemeClr val="accent1">
+              <a:shade val="50000"/>
+            </a:schemeClr>
+          </a:lnRef>
+          <a:fillRef idx="1">
+            <a:schemeClr val="accent1"/>
+          </a:fillRef>
+          <a:effectRef idx="0">
+            <a:schemeClr val="accent1"/>
+          </a:effectRef>
+          <a:fontRef idx="minor">
+            <a:schemeClr val="lt1"/>
+          </a:fontRef>
+        </p:style>
+        <p:txBody>
+          <a:bodyPr rtlCol="0" anchor="ctr"/>
+          <a:lstStyle/>
+          <a:p>
+            <a:pPr algn="ctr"/>
+            <a:endParaRPr lang="pt-BR"/>
+          </a:p>
+        </p:txBody>
+      </p:sp>
+      <p:sp>
+        <p:nvSpPr>
+          <p:cNvPr id="8" name="CaixaDeTexto 7">
+            <a:extLst>
+              <a:ext uri="{FF2B5EF4-FFF2-40B4-BE49-F238E27FC236}">
+                <a16:creationId xmlns:a16="http://schemas.microsoft.com/office/drawing/2014/main" id="{DDFCB7EC-C71B-49C9-88EA-325E8D241328}"/>
+              </a:ext>
+            </a:extLst>
+          </p:cNvPr>
+          <p:cNvSpPr txBox="1"/>
+          <p:nvPr/>
+        </p:nvSpPr>
+        <p:spPr>
+          <a:xfrm>
+            <a:off x="2066730" y="859689"/>
+            <a:ext cx="1179419" cy="307777"/>
+          </a:xfrm>
+          <a:prstGeom prst="rect">
+            <a:avLst/>
+          </a:prstGeom>
+          <a:noFill/>
+        </p:spPr>
+        <p:txBody>
+          <a:bodyPr wrap="square" rtlCol="0">
+            <a:spAutoFit/>
+          </a:bodyPr>
+          <a:lstStyle/>
+          <a:p>
+            <a:r>
+              <a:rPr lang="pt-BR" sz="1400" b="1" dirty="0">
+                <a:solidFill>
+                  <a:srgbClr val="202F38"/>
+                </a:solidFill>
+              </a:rPr>
+              <a:t>Consumidor </a:t>
+            </a:r>
+          </a:p>
+        </p:txBody>
+      </p:sp>
+      <p:sp>
+        <p:nvSpPr>
+          <p:cNvPr id="9" name="Retângulo: Cantos Arredondados 8">
+            <a:extLst>
+              <a:ext uri="{FF2B5EF4-FFF2-40B4-BE49-F238E27FC236}">
+                <a16:creationId xmlns:a16="http://schemas.microsoft.com/office/drawing/2014/main" id="{2E6642AC-AA88-4877-B817-4E0DAD82744B}"/>
+              </a:ext>
+            </a:extLst>
+          </p:cNvPr>
+          <p:cNvSpPr/>
+          <p:nvPr/>
+        </p:nvSpPr>
+        <p:spPr>
+          <a:xfrm>
+            <a:off x="1912775" y="3716563"/>
+            <a:ext cx="6503436" cy="2357383"/>
+          </a:xfrm>
+          <a:prstGeom prst="roundRect">
+            <a:avLst/>
+          </a:prstGeom>
+          <a:noFill/>
+          <a:ln>
+            <a:solidFill>
+              <a:srgbClr val="F09456"/>
+            </a:solidFill>
+            <a:prstDash val="sysDash"/>
+          </a:ln>
+        </p:spPr>
+        <p:style>
+          <a:lnRef idx="2">
+            <a:schemeClr val="accent1">
+              <a:shade val="50000"/>
+            </a:schemeClr>
+          </a:lnRef>
+          <a:fillRef idx="1">
+            <a:schemeClr val="accent1"/>
+          </a:fillRef>
+          <a:effectRef idx="0">
+            <a:schemeClr val="accent1"/>
+          </a:effectRef>
+          <a:fontRef idx="minor">
+            <a:schemeClr val="lt1"/>
+          </a:fontRef>
+        </p:style>
+        <p:txBody>
+          <a:bodyPr rtlCol="0" anchor="ctr"/>
+          <a:lstStyle/>
+          <a:p>
+            <a:pPr algn="ctr"/>
+            <a:endParaRPr lang="pt-BR"/>
+          </a:p>
+        </p:txBody>
+      </p:sp>
+      <p:sp>
+        <p:nvSpPr>
+          <p:cNvPr id="15" name="CaixaDeTexto 14">
+            <a:extLst>
+              <a:ext uri="{FF2B5EF4-FFF2-40B4-BE49-F238E27FC236}">
+                <a16:creationId xmlns:a16="http://schemas.microsoft.com/office/drawing/2014/main" id="{76F30DF3-92B2-440D-AB53-2C14B0F6DE36}"/>
+              </a:ext>
+            </a:extLst>
+          </p:cNvPr>
+          <p:cNvSpPr txBox="1"/>
+          <p:nvPr/>
+        </p:nvSpPr>
+        <p:spPr>
+          <a:xfrm>
+            <a:off x="2066731" y="3780566"/>
+            <a:ext cx="877076" cy="307777"/>
+          </a:xfrm>
+          <a:prstGeom prst="rect">
+            <a:avLst/>
+          </a:prstGeom>
+          <a:noFill/>
+        </p:spPr>
+        <p:txBody>
+          <a:bodyPr wrap="square" rtlCol="0">
+            <a:spAutoFit/>
+          </a:bodyPr>
+          <a:lstStyle/>
+          <a:p>
+            <a:r>
+              <a:rPr lang="pt-BR" sz="1400" b="1" dirty="0">
+                <a:solidFill>
+                  <a:srgbClr val="202F38"/>
+                </a:solidFill>
+              </a:rPr>
+              <a:t>Mercado</a:t>
+            </a:r>
+          </a:p>
+        </p:txBody>
+      </p:sp>
+      <p:sp>
+        <p:nvSpPr>
+          <p:cNvPr id="2" name="CaixaDeTexto 1">
+            <a:extLst>
+              <a:ext uri="{FF2B5EF4-FFF2-40B4-BE49-F238E27FC236}">
+                <a16:creationId xmlns:a16="http://schemas.microsoft.com/office/drawing/2014/main" id="{317C9D8A-081C-4C6B-BF9E-8FA37EF82F07}"/>
+              </a:ext>
+            </a:extLst>
+          </p:cNvPr>
+          <p:cNvSpPr txBox="1"/>
+          <p:nvPr/>
+        </p:nvSpPr>
+        <p:spPr>
+          <a:xfrm>
+            <a:off x="2019688" y="1313645"/>
+            <a:ext cx="6289609" cy="1477328"/>
+          </a:xfrm>
+          <a:prstGeom prst="rect">
+            <a:avLst/>
+          </a:prstGeom>
+          <a:noFill/>
+        </p:spPr>
+        <p:txBody>
+          <a:bodyPr wrap="square" rtlCol="0">
+            <a:spAutoFit/>
+          </a:bodyPr>
+          <a:lstStyle/>
+          <a:p>
+            <a:pPr marL="342900" indent="-342900">
+              <a:buFont typeface="+mj-lt"/>
+              <a:buAutoNum type="arabicPeriod"/>
+            </a:pPr>
+            <a:r>
+              <a:rPr lang="pt-BR" dirty="0"/>
+              <a:t>Faz compra em mercado </a:t>
+            </a:r>
+          </a:p>
+          <a:p>
+            <a:pPr marL="342900" indent="-342900">
+              <a:buFont typeface="+mj-lt"/>
+              <a:buAutoNum type="arabicPeriod"/>
+            </a:pPr>
+            <a:r>
+              <a:rPr lang="pt-BR" dirty="0"/>
+              <a:t>Informa CPF no momento do pagamento</a:t>
+            </a:r>
+          </a:p>
+          <a:p>
+            <a:pPr marL="342900" indent="-342900">
+              <a:buFont typeface="+mj-lt"/>
+              <a:buAutoNum type="arabicPeriod"/>
+            </a:pPr>
+            <a:r>
+              <a:rPr lang="pt-BR" dirty="0"/>
+              <a:t>Organiza compras no aplicativo (geladeira, despensa, outros)</a:t>
+            </a:r>
+          </a:p>
+          <a:p>
+            <a:pPr marL="342900" indent="-342900">
+              <a:buFont typeface="+mj-lt"/>
+              <a:buAutoNum type="arabicPeriod"/>
+            </a:pPr>
+            <a:r>
+              <a:rPr lang="pt-BR" dirty="0"/>
+              <a:t>Deleta itens do sistema após consumo</a:t>
+            </a:r>
+          </a:p>
+          <a:p>
+            <a:endParaRPr lang="pt-BR" dirty="0"/>
+          </a:p>
+        </p:txBody>
+      </p:sp>
+      <p:sp>
+        <p:nvSpPr>
+          <p:cNvPr id="18" name="CaixaDeTexto 17">
+            <a:extLst>
+              <a:ext uri="{FF2B5EF4-FFF2-40B4-BE49-F238E27FC236}">
+                <a16:creationId xmlns:a16="http://schemas.microsoft.com/office/drawing/2014/main" id="{A7F1E75C-6C04-44F8-8D85-991FBE865196}"/>
+              </a:ext>
+            </a:extLst>
+          </p:cNvPr>
+          <p:cNvSpPr txBox="1"/>
+          <p:nvPr/>
+        </p:nvSpPr>
+        <p:spPr>
+          <a:xfrm>
+            <a:off x="2019688" y="4342480"/>
+            <a:ext cx="6289609" cy="646331"/>
+          </a:xfrm>
+          <a:prstGeom prst="rect">
+            <a:avLst/>
+          </a:prstGeom>
+          <a:noFill/>
+        </p:spPr>
+        <p:txBody>
+          <a:bodyPr wrap="square" rtlCol="0">
+            <a:spAutoFit/>
+          </a:bodyPr>
+          <a:lstStyle/>
+          <a:p>
+            <a:pPr marL="342900" indent="-342900">
+              <a:buFont typeface="+mj-lt"/>
+              <a:buAutoNum type="arabicPeriod"/>
+            </a:pPr>
+            <a:r>
+              <a:rPr lang="pt-BR" dirty="0"/>
+              <a:t>Informa data de validade na </a:t>
+            </a:r>
+            <a:r>
+              <a:rPr lang="pt-BR" dirty="0" err="1"/>
+              <a:t>Nfe</a:t>
+            </a:r>
+            <a:endParaRPr lang="pt-BR" dirty="0"/>
+          </a:p>
+          <a:p>
+            <a:pPr marL="342900" indent="-342900">
+              <a:buFont typeface="+mj-lt"/>
+              <a:buAutoNum type="arabicPeriod"/>
+            </a:pPr>
+            <a:r>
+              <a:rPr lang="pt-BR" dirty="0"/>
+              <a:t>Disponibiliza </a:t>
+            </a:r>
+            <a:r>
+              <a:rPr lang="pt-BR" dirty="0" err="1"/>
+              <a:t>NFe</a:t>
+            </a:r>
+            <a:r>
+              <a:rPr lang="pt-BR" dirty="0"/>
+              <a:t> no sistema</a:t>
+            </a:r>
+          </a:p>
+        </p:txBody>
+      </p:sp>
+      <p:pic>
+        <p:nvPicPr>
+          <p:cNvPr id="4" name="Gráfico 3" descr="Banco de dados">
+            <a:extLst>
+              <a:ext uri="{FF2B5EF4-FFF2-40B4-BE49-F238E27FC236}">
+                <a16:creationId xmlns:a16="http://schemas.microsoft.com/office/drawing/2014/main" id="{A8BD26CA-784B-4B66-9AF1-A34880F5C03D}"/>
+              </a:ext>
+            </a:extLst>
+          </p:cNvPr>
+          <p:cNvPicPr>
+            <a:picLocks noChangeAspect="1"/>
+          </p:cNvPicPr>
+          <p:nvPr/>
+        </p:nvPicPr>
+        <p:blipFill>
+          <a:blip r:embed="rId2">
+            <a:extLst>
+              <a:ext uri="{28A0092B-C50C-407E-A947-70E740481C1C}">
+                <a14:useLocalDpi xmlns:a14="http://schemas.microsoft.com/office/drawing/2010/main" val="0"/>
+              </a:ext>
+              <a:ext uri="{96DAC541-7B7A-43D3-8B79-37D633B846F1}">
+                <asvg:svgBlip xmlns:asvg="http://schemas.microsoft.com/office/drawing/2016/SVG/main" r:embed="rId3"/>
+              </a:ext>
+            </a:extLst>
+          </a:blip>
+          <a:stretch>
+            <a:fillRect/>
+          </a:stretch>
+        </p:blipFill>
+        <p:spPr>
+          <a:xfrm>
+            <a:off x="5638799" y="2971799"/>
+            <a:ext cx="2264229" cy="2264229"/>
+          </a:xfrm>
+          <a:prstGeom prst="rect">
+            <a:avLst/>
+          </a:prstGeom>
+        </p:spPr>
+      </p:pic>
     </p:spTree>
     <p:extLst>
       <p:ext uri="{BB962C8B-B14F-4D97-AF65-F5344CB8AC3E}">
-        <p14:creationId xmlns:p14="http://schemas.microsoft.com/office/powerpoint/2010/main" val="236299342"/>
+        <p14:creationId xmlns:p14="http://schemas.microsoft.com/office/powerpoint/2010/main" val="2791442581"/>
       </p:ext>
     </p:extLst>
   </p:cSld>
@@ -9427,7 +9922,275 @@
 </p:sld>
 </file>
 
-<file path=ppt/slides/slide4.xml><?xml version="1.0" encoding="utf-8"?>
+<file path=ppt/slides/slide5.xml><?xml version="1.0" encoding="utf-8"?>
+<p:sld xmlns:a="http://schemas.openxmlformats.org/drawingml/2006/main" xmlns:r="http://schemas.openxmlformats.org/officeDocument/2006/relationships" xmlns:p="http://schemas.openxmlformats.org/presentationml/2006/main">
+  <p:cSld>
+    <p:spTree>
+      <p:nvGrpSpPr>
+        <p:cNvPr id="1" name=""/>
+        <p:cNvGrpSpPr/>
+        <p:nvPr/>
+      </p:nvGrpSpPr>
+      <p:grpSpPr>
+        <a:xfrm>
+          <a:off x="0" y="0"/>
+          <a:ext cx="0" cy="0"/>
+          <a:chOff x="0" y="0"/>
+          <a:chExt cx="0" cy="0"/>
+        </a:xfrm>
+      </p:grpSpPr>
+      <p:pic>
+        <p:nvPicPr>
+          <p:cNvPr id="2" name="Gráfico 1" descr="Banco de dados">
+            <a:extLst>
+              <a:ext uri="{FF2B5EF4-FFF2-40B4-BE49-F238E27FC236}">
+                <a16:creationId xmlns:a16="http://schemas.microsoft.com/office/drawing/2014/main" id="{B5F0248D-04D4-4FBE-BCB3-E11665DC924F}"/>
+              </a:ext>
+            </a:extLst>
+          </p:cNvPr>
+          <p:cNvPicPr>
+            <a:picLocks noChangeAspect="1"/>
+          </p:cNvPicPr>
+          <p:nvPr/>
+        </p:nvPicPr>
+        <p:blipFill>
+          <a:blip r:embed="rId2">
+            <a:extLst>
+              <a:ext uri="{28A0092B-C50C-407E-A947-70E740481C1C}">
+                <a14:useLocalDpi xmlns:a14="http://schemas.microsoft.com/office/drawing/2010/main" val="0"/>
+              </a:ext>
+              <a:ext uri="{96DAC541-7B7A-43D3-8B79-37D633B846F1}">
+                <asvg:svgBlip xmlns:asvg="http://schemas.microsoft.com/office/drawing/2016/SVG/main" r:embed="rId3"/>
+              </a:ext>
+            </a:extLst>
+          </a:blip>
+          <a:stretch>
+            <a:fillRect/>
+          </a:stretch>
+        </p:blipFill>
+        <p:spPr>
+          <a:xfrm>
+            <a:off x="4963886" y="4595326"/>
+            <a:ext cx="2264229" cy="2264229"/>
+          </a:xfrm>
+          <a:prstGeom prst="rect">
+            <a:avLst/>
+          </a:prstGeom>
+        </p:spPr>
+      </p:pic>
+      <p:sp>
+        <p:nvSpPr>
+          <p:cNvPr id="3" name="CaixaDeTexto 2">
+            <a:extLst>
+              <a:ext uri="{FF2B5EF4-FFF2-40B4-BE49-F238E27FC236}">
+                <a16:creationId xmlns:a16="http://schemas.microsoft.com/office/drawing/2014/main" id="{60E2DE9E-67E9-4E36-8B93-2859C9788C79}"/>
+              </a:ext>
+            </a:extLst>
+          </p:cNvPr>
+          <p:cNvSpPr txBox="1"/>
+          <p:nvPr/>
+        </p:nvSpPr>
+        <p:spPr>
+          <a:xfrm>
+            <a:off x="5235088" y="4427512"/>
+            <a:ext cx="1721825" cy="307777"/>
+          </a:xfrm>
+          <a:prstGeom prst="rect">
+            <a:avLst/>
+          </a:prstGeom>
+          <a:noFill/>
+        </p:spPr>
+        <p:txBody>
+          <a:bodyPr wrap="square" rtlCol="0">
+            <a:spAutoFit/>
+          </a:bodyPr>
+          <a:lstStyle/>
+          <a:p>
+            <a:pPr algn="ctr"/>
+            <a:r>
+              <a:rPr lang="pt-BR" sz="1400" b="1" dirty="0">
+                <a:solidFill>
+                  <a:srgbClr val="202F38"/>
+                </a:solidFill>
+              </a:rPr>
+              <a:t>Banco de Dados </a:t>
+            </a:r>
+          </a:p>
+        </p:txBody>
+      </p:sp>
+      <p:sp>
+        <p:nvSpPr>
+          <p:cNvPr id="6" name="Retângulo: Cantos Arredondados 5">
+            <a:extLst>
+              <a:ext uri="{FF2B5EF4-FFF2-40B4-BE49-F238E27FC236}">
+                <a16:creationId xmlns:a16="http://schemas.microsoft.com/office/drawing/2014/main" id="{A21E105C-655E-4B64-892B-31D674860F3D}"/>
+              </a:ext>
+            </a:extLst>
+          </p:cNvPr>
+          <p:cNvSpPr/>
+          <p:nvPr/>
+        </p:nvSpPr>
+        <p:spPr>
+          <a:xfrm>
+            <a:off x="726233" y="4338735"/>
+            <a:ext cx="10739535" cy="2460090"/>
+          </a:xfrm>
+          <a:prstGeom prst="roundRect">
+            <a:avLst/>
+          </a:prstGeom>
+          <a:noFill/>
+          <a:ln>
+            <a:solidFill>
+              <a:srgbClr val="202F38"/>
+            </a:solidFill>
+            <a:prstDash val="sysDash"/>
+          </a:ln>
+        </p:spPr>
+        <p:style>
+          <a:lnRef idx="2">
+            <a:schemeClr val="accent1">
+              <a:shade val="50000"/>
+            </a:schemeClr>
+          </a:lnRef>
+          <a:fillRef idx="1">
+            <a:schemeClr val="accent1"/>
+          </a:fillRef>
+          <a:effectRef idx="0">
+            <a:schemeClr val="accent1"/>
+          </a:effectRef>
+          <a:fontRef idx="minor">
+            <a:schemeClr val="lt1"/>
+          </a:fontRef>
+        </p:style>
+        <p:txBody>
+          <a:bodyPr rtlCol="0" anchor="ctr"/>
+          <a:lstStyle/>
+          <a:p>
+            <a:pPr algn="ctr"/>
+            <a:endParaRPr lang="pt-BR"/>
+          </a:p>
+        </p:txBody>
+      </p:sp>
+      <p:sp>
+        <p:nvSpPr>
+          <p:cNvPr id="8" name="Retângulo: Cantos Arredondados 7">
+            <a:extLst>
+              <a:ext uri="{FF2B5EF4-FFF2-40B4-BE49-F238E27FC236}">
+                <a16:creationId xmlns:a16="http://schemas.microsoft.com/office/drawing/2014/main" id="{3315743C-4044-4BD2-AB95-E712FFF6E5C3}"/>
+              </a:ext>
+            </a:extLst>
+          </p:cNvPr>
+          <p:cNvSpPr/>
+          <p:nvPr/>
+        </p:nvSpPr>
+        <p:spPr>
+          <a:xfrm>
+            <a:off x="720012" y="1841244"/>
+            <a:ext cx="10739535" cy="2460090"/>
+          </a:xfrm>
+          <a:prstGeom prst="roundRect">
+            <a:avLst/>
+          </a:prstGeom>
+          <a:noFill/>
+          <a:ln>
+            <a:solidFill>
+              <a:srgbClr val="202F38"/>
+            </a:solidFill>
+            <a:prstDash val="sysDash"/>
+          </a:ln>
+        </p:spPr>
+        <p:style>
+          <a:lnRef idx="2">
+            <a:schemeClr val="accent1">
+              <a:shade val="50000"/>
+            </a:schemeClr>
+          </a:lnRef>
+          <a:fillRef idx="1">
+            <a:schemeClr val="accent1"/>
+          </a:fillRef>
+          <a:effectRef idx="0">
+            <a:schemeClr val="accent1"/>
+          </a:effectRef>
+          <a:fontRef idx="minor">
+            <a:schemeClr val="lt1"/>
+          </a:fontRef>
+        </p:style>
+        <p:txBody>
+          <a:bodyPr rtlCol="0" anchor="ctr"/>
+          <a:lstStyle/>
+          <a:p>
+            <a:pPr algn="ctr"/>
+            <a:endParaRPr lang="pt-BR"/>
+          </a:p>
+        </p:txBody>
+      </p:sp>
+      <p:sp>
+        <p:nvSpPr>
+          <p:cNvPr id="9" name="Retângulo: Cantos Arredondados 8">
+            <a:extLst>
+              <a:ext uri="{FF2B5EF4-FFF2-40B4-BE49-F238E27FC236}">
+                <a16:creationId xmlns:a16="http://schemas.microsoft.com/office/drawing/2014/main" id="{0C5328DA-E472-4CC8-9C8A-FF02A6B57013}"/>
+              </a:ext>
+            </a:extLst>
+          </p:cNvPr>
+          <p:cNvSpPr/>
+          <p:nvPr/>
+        </p:nvSpPr>
+        <p:spPr>
+          <a:xfrm>
+            <a:off x="720011" y="71697"/>
+            <a:ext cx="10739535" cy="1721425"/>
+          </a:xfrm>
+          <a:prstGeom prst="roundRect">
+            <a:avLst/>
+          </a:prstGeom>
+          <a:noFill/>
+          <a:ln>
+            <a:solidFill>
+              <a:srgbClr val="202F38"/>
+            </a:solidFill>
+            <a:prstDash val="sysDash"/>
+          </a:ln>
+        </p:spPr>
+        <p:style>
+          <a:lnRef idx="2">
+            <a:schemeClr val="accent1">
+              <a:shade val="50000"/>
+            </a:schemeClr>
+          </a:lnRef>
+          <a:fillRef idx="1">
+            <a:schemeClr val="accent1"/>
+          </a:fillRef>
+          <a:effectRef idx="0">
+            <a:schemeClr val="accent1"/>
+          </a:effectRef>
+          <a:fontRef idx="minor">
+            <a:schemeClr val="lt1"/>
+          </a:fontRef>
+        </p:style>
+        <p:txBody>
+          <a:bodyPr rtlCol="0" anchor="ctr"/>
+          <a:lstStyle/>
+          <a:p>
+            <a:pPr algn="ctr"/>
+            <a:endParaRPr lang="pt-BR"/>
+          </a:p>
+        </p:txBody>
+      </p:sp>
+    </p:spTree>
+    <p:extLst>
+      <p:ext uri="{BB962C8B-B14F-4D97-AF65-F5344CB8AC3E}">
+        <p14:creationId xmlns:p14="http://schemas.microsoft.com/office/powerpoint/2010/main" val="508793510"/>
+      </p:ext>
+    </p:extLst>
+  </p:cSld>
+  <p:clrMapOvr>
+    <a:masterClrMapping/>
+  </p:clrMapOvr>
+</p:sld>
+</file>
+
+<file path=ppt/slides/slide6.xml><?xml version="1.0" encoding="utf-8"?>
 <p:sld xmlns:a="http://schemas.openxmlformats.org/drawingml/2006/main" xmlns:r="http://schemas.openxmlformats.org/officeDocument/2006/relationships" xmlns:p="http://schemas.openxmlformats.org/presentationml/2006/main">
   <p:cSld>
     <p:spTree>
